--- a/10.pptx
+++ b/10.pptx
@@ -5,15 +5,18 @@
     <p:sldMasterId id="2147483649" r:id="rId1"/>
   </p:sldMasterIdLst>
   <p:notesMasterIdLst>
-    <p:notesMasterId r:id="rId8"/>
+    <p:notesMasterId r:id="rId11"/>
   </p:notesMasterIdLst>
   <p:sldIdLst>
     <p:sldId id="311" r:id="rId2"/>
     <p:sldId id="330" r:id="rId3"/>
-    <p:sldId id="331" r:id="rId4"/>
-    <p:sldId id="332" r:id="rId5"/>
-    <p:sldId id="337" r:id="rId6"/>
-    <p:sldId id="338" r:id="rId7"/>
+    <p:sldId id="340" r:id="rId4"/>
+    <p:sldId id="341" r:id="rId5"/>
+    <p:sldId id="339" r:id="rId6"/>
+    <p:sldId id="331" r:id="rId7"/>
+    <p:sldId id="332" r:id="rId8"/>
+    <p:sldId id="337" r:id="rId9"/>
+    <p:sldId id="338" r:id="rId10"/>
   </p:sldIdLst>
   <p:sldSz cx="9144000" cy="6858000" type="screen4x3"/>
   <p:notesSz cx="6858000" cy="9144000"/>
@@ -5448,6 +5451,2457 @@
               <a:buNone/>
             </a:pPr>
             <a:r>
+              <a:rPr kumimoji="0" lang="ru-RU" altLang="ru-RU" b="1" kern="0" dirty="0" smtClean="0"/>
+              <a:t>Заголовок </a:t>
+            </a:r>
+            <a:r>
+              <a:rPr kumimoji="0" lang="en-US" altLang="ru-RU" b="1" kern="0" dirty="0" smtClean="0"/>
+              <a:t>IP</a:t>
+            </a:r>
+            <a:endParaRPr kumimoji="0" lang="ru-RU" altLang="ru-RU" b="1" kern="0" dirty="0" smtClean="0"/>
+          </a:p>
+        </p:txBody>
+      </p:sp>
+      <p:graphicFrame>
+        <p:nvGraphicFramePr>
+          <p:cNvPr id="2" name="Объект 1"/>
+          <p:cNvGraphicFramePr>
+            <a:graphicFrameLocks noChangeAspect="1"/>
+          </p:cNvGraphicFramePr>
+          <p:nvPr>
+            <p:extLst>
+              <p:ext uri="{D42A27DB-BD31-4B8C-83A1-F6EECF244321}">
+                <p14:modId xmlns:p14="http://schemas.microsoft.com/office/powerpoint/2010/main" val="2069886420"/>
+              </p:ext>
+            </p:extLst>
+          </p:nvPr>
+        </p:nvGraphicFramePr>
+        <p:xfrm>
+          <a:off x="2321905" y="1916832"/>
+          <a:ext cx="4692650" cy="2419350"/>
+        </p:xfrm>
+        <a:graphic>
+          <a:graphicData uri="http://schemas.openxmlformats.org/presentationml/2006/ole">
+            <mc:AlternateContent xmlns:mc="http://schemas.openxmlformats.org/markup-compatibility/2006">
+              <mc:Choice xmlns:v="urn:schemas-microsoft-com:vml" Requires="v">
+                <p:oleObj spid="_x0000_s210955" name="CorelDRAW" r:id="rId3" imgW="3329026" imgH="1716634" progId="CorelDRAW.Graphic.11">
+                  <p:embed/>
+                </p:oleObj>
+              </mc:Choice>
+              <mc:Fallback>
+                <p:oleObj name="CorelDRAW" r:id="rId3" imgW="3329026" imgH="1716634" progId="CorelDRAW.Graphic.11">
+                  <p:embed/>
+                  <p:pic>
+                    <p:nvPicPr>
+                      <p:cNvPr id="0" name="Object 2"/>
+                      <p:cNvPicPr>
+                        <a:picLocks noChangeAspect="1" noChangeArrowheads="1"/>
+                      </p:cNvPicPr>
+                      <p:nvPr/>
+                    </p:nvPicPr>
+                    <p:blipFill>
+                      <a:blip r:embed="rId4">
+                        <a:extLst>
+                          <a:ext uri="{28A0092B-C50C-407E-A947-70E740481C1C}">
+                            <a14:useLocalDpi xmlns:a14="http://schemas.microsoft.com/office/drawing/2010/main" val="0"/>
+                          </a:ext>
+                        </a:extLst>
+                      </a:blip>
+                      <a:srcRect/>
+                      <a:stretch>
+                        <a:fillRect/>
+                      </a:stretch>
+                    </p:blipFill>
+                    <p:spPr bwMode="auto">
+                      <a:xfrm>
+                        <a:off x="2321905" y="1916832"/>
+                        <a:ext cx="4692650" cy="2419350"/>
+                      </a:xfrm>
+                      <a:prstGeom prst="rect">
+                        <a:avLst/>
+                      </a:prstGeom>
+                      <a:noFill/>
+                      <a:ln>
+                        <a:noFill/>
+                      </a:ln>
+                      <a:effectLst/>
+                      <a:extLst>
+                        <a:ext uri="{909E8E84-426E-40DD-AFC4-6F175D3DCCD1}">
+                          <a14:hiddenFill xmlns:a14="http://schemas.microsoft.com/office/drawing/2010/main">
+                            <a:solidFill>
+                              <a:schemeClr val="accent1"/>
+                            </a:solidFill>
+                          </a14:hiddenFill>
+                        </a:ext>
+                        <a:ext uri="{91240B29-F687-4F45-9708-019B960494DF}">
+                          <a14:hiddenLine xmlns:a14="http://schemas.microsoft.com/office/drawing/2010/main" w="9525">
+                            <a:solidFill>
+                              <a:schemeClr val="tx1"/>
+                            </a:solidFill>
+                            <a:miter lim="800000"/>
+                            <a:headEnd/>
+                            <a:tailEnd/>
+                          </a14:hiddenLine>
+                        </a:ext>
+                        <a:ext uri="{AF507438-7753-43E0-B8FC-AC1667EBCBE1}">
+                          <a14:hiddenEffects xmlns:a14="http://schemas.microsoft.com/office/drawing/2010/main">
+                            <a:effectLst>
+                              <a:outerShdw dist="35921" dir="2700000" algn="ctr" rotWithShape="0">
+                                <a:schemeClr val="bg2"/>
+                              </a:outerShdw>
+                            </a:effectLst>
+                          </a14:hiddenEffects>
+                        </a:ext>
+                      </a:extLst>
+                    </p:spPr>
+                  </p:pic>
+                </p:oleObj>
+              </mc:Fallback>
+            </mc:AlternateContent>
+          </a:graphicData>
+        </a:graphic>
+      </p:graphicFrame>
+      <p:sp>
+        <p:nvSpPr>
+          <p:cNvPr id="12" name="Овал 11"/>
+          <p:cNvSpPr/>
+          <p:nvPr/>
+        </p:nvSpPr>
+        <p:spPr bwMode="auto">
+          <a:xfrm>
+            <a:off x="2267744" y="1844824"/>
+            <a:ext cx="720080" cy="720080"/>
+          </a:xfrm>
+          <a:prstGeom prst="ellipse">
+            <a:avLst/>
+          </a:prstGeom>
+          <a:noFill/>
+          <a:ln w="38100" cap="flat" cmpd="sng" algn="ctr">
+            <a:solidFill>
+              <a:srgbClr val="7030A0"/>
+            </a:solidFill>
+            <a:prstDash val="solid"/>
+            <a:round/>
+            <a:headEnd type="none" w="med" len="med"/>
+            <a:tailEnd type="none" w="med" len="med"/>
+          </a:ln>
+          <a:effectLst/>
+          <a:extLst>
+            <a:ext uri="{909E8E84-426E-40DD-AFC4-6F175D3DCCD1}">
+              <a14:hiddenFill xmlns:a14="http://schemas.microsoft.com/office/drawing/2010/main">
+                <a:solidFill>
+                  <a:schemeClr val="accent1"/>
+                </a:solidFill>
+              </a14:hiddenFill>
+            </a:ext>
+            <a:ext uri="{AF507438-7753-43E0-B8FC-AC1667EBCBE1}">
+              <a14:hiddenEffects xmlns:a14="http://schemas.microsoft.com/office/drawing/2010/main">
+                <a:effectLst>
+                  <a:outerShdw dist="35921" dir="2700000" algn="ctr" rotWithShape="0">
+                    <a:schemeClr val="bg2"/>
+                  </a:outerShdw>
+                </a:effectLst>
+              </a14:hiddenEffects>
+            </a:ext>
+          </a:extLst>
+        </p:spPr>
+        <p:txBody>
+          <a:bodyPr vert="horz" wrap="square" lIns="91440" tIns="45720" rIns="91440" bIns="0" numCol="1" rtlCol="0" anchor="t" anchorCtr="0" compatLnSpc="1">
+            <a:prstTxWarp prst="textNoShape">
+              <a:avLst/>
+            </a:prstTxWarp>
+          </a:bodyPr>
+          <a:lstStyle/>
+          <a:p>
+            <a:pPr marL="457200" marR="0" indent="-457200" algn="l" defTabSz="914400" rtl="0" eaLnBrk="1" fontAlgn="base" latinLnBrk="0" hangingPunct="1">
+              <a:lnSpc>
+                <a:spcPct val="100000"/>
+              </a:lnSpc>
+              <a:spcBef>
+                <a:spcPct val="20000"/>
+              </a:spcBef>
+              <a:spcAft>
+                <a:spcPct val="0"/>
+              </a:spcAft>
+              <a:buClr>
+                <a:srgbClr val="A50021"/>
+              </a:buClr>
+              <a:buSzPct val="75000"/>
+              <a:buFont typeface="Wingdings" pitchFamily="2" charset="2"/>
+              <a:buChar char="n"/>
+              <a:tabLst/>
+            </a:pPr>
+            <a:endParaRPr kumimoji="1" lang="ru-RU" sz="2000" b="0" i="0" u="none" strike="noStrike" cap="none" normalizeH="0" baseline="0" smtClean="0">
+              <a:ln>
+                <a:noFill/>
+              </a:ln>
+              <a:solidFill>
+                <a:schemeClr val="tx1"/>
+              </a:solidFill>
+              <a:effectLst/>
+              <a:latin typeface="Times New Roman" pitchFamily="18" charset="0"/>
+              <a:cs typeface="Times New Roman" pitchFamily="18" charset="0"/>
+            </a:endParaRPr>
+          </a:p>
+        </p:txBody>
+      </p:sp>
+      <p:sp>
+        <p:nvSpPr>
+          <p:cNvPr id="14" name="Овал 13"/>
+          <p:cNvSpPr/>
+          <p:nvPr/>
+        </p:nvSpPr>
+        <p:spPr bwMode="auto">
+          <a:xfrm>
+            <a:off x="3995936" y="3284984"/>
+            <a:ext cx="1296144" cy="576064"/>
+          </a:xfrm>
+          <a:prstGeom prst="ellipse">
+            <a:avLst/>
+          </a:prstGeom>
+          <a:noFill/>
+          <a:ln w="38100" cap="flat" cmpd="sng" algn="ctr">
+            <a:solidFill>
+              <a:srgbClr val="00B050"/>
+            </a:solidFill>
+            <a:prstDash val="solid"/>
+            <a:round/>
+            <a:headEnd type="none" w="med" len="med"/>
+            <a:tailEnd type="none" w="med" len="med"/>
+          </a:ln>
+          <a:effectLst/>
+          <a:extLst>
+            <a:ext uri="{909E8E84-426E-40DD-AFC4-6F175D3DCCD1}">
+              <a14:hiddenFill xmlns:a14="http://schemas.microsoft.com/office/drawing/2010/main">
+                <a:solidFill>
+                  <a:schemeClr val="accent1"/>
+                </a:solidFill>
+              </a14:hiddenFill>
+            </a:ext>
+            <a:ext uri="{AF507438-7753-43E0-B8FC-AC1667EBCBE1}">
+              <a14:hiddenEffects xmlns:a14="http://schemas.microsoft.com/office/drawing/2010/main">
+                <a:effectLst>
+                  <a:outerShdw dist="35921" dir="2700000" algn="ctr" rotWithShape="0">
+                    <a:schemeClr val="bg2"/>
+                  </a:outerShdw>
+                </a:effectLst>
+              </a14:hiddenEffects>
+            </a:ext>
+          </a:extLst>
+        </p:spPr>
+        <p:txBody>
+          <a:bodyPr vert="horz" wrap="square" lIns="91440" tIns="45720" rIns="91440" bIns="0" numCol="1" rtlCol="0" anchor="t" anchorCtr="0" compatLnSpc="1">
+            <a:prstTxWarp prst="textNoShape">
+              <a:avLst/>
+            </a:prstTxWarp>
+          </a:bodyPr>
+          <a:lstStyle/>
+          <a:p>
+            <a:pPr marL="457200" marR="0" indent="-457200" algn="l" defTabSz="914400" rtl="0" eaLnBrk="1" fontAlgn="base" latinLnBrk="0" hangingPunct="1">
+              <a:lnSpc>
+                <a:spcPct val="100000"/>
+              </a:lnSpc>
+              <a:spcBef>
+                <a:spcPct val="20000"/>
+              </a:spcBef>
+              <a:spcAft>
+                <a:spcPct val="0"/>
+              </a:spcAft>
+              <a:buClr>
+                <a:srgbClr val="A50021"/>
+              </a:buClr>
+              <a:buSzPct val="75000"/>
+              <a:buFont typeface="Wingdings" pitchFamily="2" charset="2"/>
+              <a:buChar char="n"/>
+              <a:tabLst/>
+            </a:pPr>
+            <a:endParaRPr kumimoji="1" lang="ru-RU" sz="2000" b="0" i="0" u="none" strike="noStrike" cap="none" normalizeH="0" baseline="0" smtClean="0">
+              <a:ln>
+                <a:noFill/>
+              </a:ln>
+              <a:solidFill>
+                <a:schemeClr val="tx1"/>
+              </a:solidFill>
+              <a:effectLst/>
+              <a:latin typeface="Times New Roman" pitchFamily="18" charset="0"/>
+              <a:cs typeface="Times New Roman" pitchFamily="18" charset="0"/>
+            </a:endParaRPr>
+          </a:p>
+        </p:txBody>
+      </p:sp>
+      <p:sp>
+        <p:nvSpPr>
+          <p:cNvPr id="16" name="Овал 15"/>
+          <p:cNvSpPr/>
+          <p:nvPr/>
+        </p:nvSpPr>
+        <p:spPr bwMode="auto">
+          <a:xfrm>
+            <a:off x="3995936" y="3645024"/>
+            <a:ext cx="1296144" cy="432048"/>
+          </a:xfrm>
+          <a:prstGeom prst="ellipse">
+            <a:avLst/>
+          </a:prstGeom>
+          <a:noFill/>
+          <a:ln w="38100" cap="flat" cmpd="sng" algn="ctr">
+            <a:solidFill>
+              <a:srgbClr val="F40426"/>
+            </a:solidFill>
+            <a:prstDash val="solid"/>
+            <a:round/>
+            <a:headEnd type="none" w="med" len="med"/>
+            <a:tailEnd type="none" w="med" len="med"/>
+          </a:ln>
+          <a:effectLst/>
+          <a:extLst>
+            <a:ext uri="{909E8E84-426E-40DD-AFC4-6F175D3DCCD1}">
+              <a14:hiddenFill xmlns:a14="http://schemas.microsoft.com/office/drawing/2010/main">
+                <a:solidFill>
+                  <a:schemeClr val="accent1"/>
+                </a:solidFill>
+              </a14:hiddenFill>
+            </a:ext>
+            <a:ext uri="{AF507438-7753-43E0-B8FC-AC1667EBCBE1}">
+              <a14:hiddenEffects xmlns:a14="http://schemas.microsoft.com/office/drawing/2010/main">
+                <a:effectLst>
+                  <a:outerShdw dist="35921" dir="2700000" algn="ctr" rotWithShape="0">
+                    <a:schemeClr val="bg2"/>
+                  </a:outerShdw>
+                </a:effectLst>
+              </a14:hiddenEffects>
+            </a:ext>
+          </a:extLst>
+        </p:spPr>
+        <p:txBody>
+          <a:bodyPr vert="horz" wrap="square" lIns="91440" tIns="45720" rIns="91440" bIns="0" numCol="1" rtlCol="0" anchor="t" anchorCtr="0" compatLnSpc="1">
+            <a:prstTxWarp prst="textNoShape">
+              <a:avLst/>
+            </a:prstTxWarp>
+          </a:bodyPr>
+          <a:lstStyle/>
+          <a:p>
+            <a:pPr marL="457200" marR="0" indent="-457200" algn="l" defTabSz="914400" rtl="0" eaLnBrk="1" fontAlgn="base" latinLnBrk="0" hangingPunct="1">
+              <a:lnSpc>
+                <a:spcPct val="100000"/>
+              </a:lnSpc>
+              <a:spcBef>
+                <a:spcPct val="20000"/>
+              </a:spcBef>
+              <a:spcAft>
+                <a:spcPct val="0"/>
+              </a:spcAft>
+              <a:buClr>
+                <a:srgbClr val="A50021"/>
+              </a:buClr>
+              <a:buSzPct val="75000"/>
+              <a:buFont typeface="Wingdings" pitchFamily="2" charset="2"/>
+              <a:buChar char="n"/>
+              <a:tabLst/>
+            </a:pPr>
+            <a:endParaRPr kumimoji="1" lang="ru-RU" sz="2000" b="0" i="0" u="none" strike="noStrike" cap="none" normalizeH="0" baseline="0" smtClean="0">
+              <a:ln>
+                <a:noFill/>
+              </a:ln>
+              <a:solidFill>
+                <a:schemeClr val="tx1"/>
+              </a:solidFill>
+              <a:effectLst/>
+              <a:latin typeface="Times New Roman" pitchFamily="18" charset="0"/>
+              <a:cs typeface="Times New Roman" pitchFamily="18" charset="0"/>
+            </a:endParaRPr>
+          </a:p>
+        </p:txBody>
+      </p:sp>
+      <p:sp>
+        <p:nvSpPr>
+          <p:cNvPr id="13" name="TextBox 12"/>
+          <p:cNvSpPr txBox="1"/>
+          <p:nvPr/>
+        </p:nvSpPr>
+        <p:spPr>
+          <a:xfrm>
+            <a:off x="1187624" y="1905422"/>
+            <a:ext cx="936104" cy="769441"/>
+          </a:xfrm>
+          <a:prstGeom prst="rect">
+            <a:avLst/>
+          </a:prstGeom>
+          <a:noFill/>
+        </p:spPr>
+        <p:txBody>
+          <a:bodyPr wrap="square" rtlCol="0">
+            <a:spAutoFit/>
+          </a:bodyPr>
+          <a:lstStyle/>
+          <a:p>
+            <a:r>
+              <a:rPr lang="en-US" dirty="0" smtClean="0"/>
+              <a:t>IPv4</a:t>
+            </a:r>
+          </a:p>
+          <a:p>
+            <a:r>
+              <a:rPr lang="en-US" dirty="0" smtClean="0"/>
+              <a:t>IPv6</a:t>
+            </a:r>
+            <a:endParaRPr lang="ru-RU" dirty="0"/>
+          </a:p>
+        </p:txBody>
+      </p:sp>
+      <p:sp>
+        <p:nvSpPr>
+          <p:cNvPr id="17" name="TextBox 16"/>
+          <p:cNvSpPr txBox="1"/>
+          <p:nvPr/>
+        </p:nvSpPr>
+        <p:spPr>
+          <a:xfrm>
+            <a:off x="7020272" y="3471604"/>
+            <a:ext cx="1440160" cy="400110"/>
+          </a:xfrm>
+          <a:prstGeom prst="rect">
+            <a:avLst/>
+          </a:prstGeom>
+          <a:noFill/>
+        </p:spPr>
+        <p:txBody>
+          <a:bodyPr wrap="square" rtlCol="0">
+            <a:spAutoFit/>
+          </a:bodyPr>
+          <a:lstStyle/>
+          <a:p>
+            <a:r>
+              <a:rPr lang="ru-RU" dirty="0" smtClean="0"/>
+              <a:t>Без маски</a:t>
+            </a:r>
+            <a:endParaRPr lang="ru-RU" dirty="0"/>
+          </a:p>
+        </p:txBody>
+      </p:sp>
+      <p:sp>
+        <p:nvSpPr>
+          <p:cNvPr id="19" name="TextBox 18"/>
+          <p:cNvSpPr txBox="1"/>
+          <p:nvPr/>
+        </p:nvSpPr>
+        <p:spPr>
+          <a:xfrm>
+            <a:off x="7020272" y="4005064"/>
+            <a:ext cx="2880320" cy="307777"/>
+          </a:xfrm>
+          <a:prstGeom prst="rect">
+            <a:avLst/>
+          </a:prstGeom>
+          <a:noFill/>
+        </p:spPr>
+        <p:txBody>
+          <a:bodyPr wrap="square" rtlCol="0">
+            <a:spAutoFit/>
+          </a:bodyPr>
+          <a:lstStyle/>
+          <a:p>
+            <a:pPr>
+              <a:buNone/>
+            </a:pPr>
+            <a:r>
+              <a:rPr lang="ru-RU" sz="1400" dirty="0" smtClean="0"/>
+              <a:t>(0..10) * </a:t>
+            </a:r>
+            <a:r>
+              <a:rPr lang="en-US" sz="1400" dirty="0" smtClean="0"/>
+              <a:t>32-</a:t>
+            </a:r>
+            <a:r>
+              <a:rPr lang="ru-RU" sz="1400" dirty="0" smtClean="0"/>
+              <a:t>битных слов</a:t>
+            </a:r>
+            <a:endParaRPr lang="ru-RU" sz="1400" dirty="0"/>
+          </a:p>
+        </p:txBody>
+      </p:sp>
+    </p:spTree>
+    <p:extLst>
+      <p:ext uri="{BB962C8B-B14F-4D97-AF65-F5344CB8AC3E}">
+        <p14:creationId xmlns:p14="http://schemas.microsoft.com/office/powerpoint/2010/main" val="422402579"/>
+      </p:ext>
+    </p:extLst>
+  </p:cSld>
+  <p:clrMapOvr>
+    <a:masterClrMapping/>
+  </p:clrMapOvr>
+  <p:timing>
+    <p:tnLst>
+      <p:par>
+        <p:cTn id="1" dur="indefinite" restart="never" nodeType="tmRoot"/>
+      </p:par>
+    </p:tnLst>
+  </p:timing>
+</p:sld>
+</file>
+
+<file path=ppt/slides/slide3.xml><?xml version="1.0" encoding="utf-8"?>
+<p:sld xmlns:a="http://schemas.openxmlformats.org/drawingml/2006/main" xmlns:r="http://schemas.openxmlformats.org/officeDocument/2006/relationships" xmlns:p="http://schemas.openxmlformats.org/presentationml/2006/main">
+  <p:cSld>
+    <p:spTree>
+      <p:nvGrpSpPr>
+        <p:cNvPr id="1" name=""/>
+        <p:cNvGrpSpPr/>
+        <p:nvPr/>
+      </p:nvGrpSpPr>
+      <p:grpSpPr>
+        <a:xfrm>
+          <a:off x="0" y="0"/>
+          <a:ext cx="0" cy="0"/>
+          <a:chOff x="0" y="0"/>
+          <a:chExt cx="0" cy="0"/>
+        </a:xfrm>
+      </p:grpSpPr>
+      <p:sp>
+        <p:nvSpPr>
+          <p:cNvPr id="123" name="Заголовок 1"/>
+          <p:cNvSpPr txBox="1">
+            <a:spLocks/>
+          </p:cNvSpPr>
+          <p:nvPr/>
+        </p:nvSpPr>
+        <p:spPr>
+          <a:xfrm>
+            <a:off x="221990" y="908720"/>
+            <a:ext cx="8892480" cy="1008112"/>
+          </a:xfrm>
+          <a:prstGeom prst="rect">
+            <a:avLst/>
+          </a:prstGeom>
+        </p:spPr>
+        <p:txBody>
+          <a:bodyPr/>
+          <a:lstStyle>
+            <a:lvl1pPr algn="l" rtl="0" fontAlgn="base">
+              <a:spcBef>
+                <a:spcPct val="0"/>
+              </a:spcBef>
+              <a:spcAft>
+                <a:spcPct val="0"/>
+              </a:spcAft>
+              <a:defRPr sz="4400">
+                <a:solidFill>
+                  <a:schemeClr val="tx2"/>
+                </a:solidFill>
+                <a:latin typeface="+mj-lt"/>
+                <a:ea typeface="+mj-ea"/>
+                <a:cs typeface="+mj-cs"/>
+              </a:defRPr>
+            </a:lvl1pPr>
+            <a:lvl2pPr algn="l" rtl="0" fontAlgn="base">
+              <a:spcBef>
+                <a:spcPct val="0"/>
+              </a:spcBef>
+              <a:spcAft>
+                <a:spcPct val="0"/>
+              </a:spcAft>
+              <a:defRPr sz="4400">
+                <a:solidFill>
+                  <a:schemeClr val="tx2"/>
+                </a:solidFill>
+                <a:latin typeface="Times New Roman" pitchFamily="18" charset="0"/>
+              </a:defRPr>
+            </a:lvl2pPr>
+            <a:lvl3pPr algn="l" rtl="0" fontAlgn="base">
+              <a:spcBef>
+                <a:spcPct val="0"/>
+              </a:spcBef>
+              <a:spcAft>
+                <a:spcPct val="0"/>
+              </a:spcAft>
+              <a:defRPr sz="4400">
+                <a:solidFill>
+                  <a:schemeClr val="tx2"/>
+                </a:solidFill>
+                <a:latin typeface="Times New Roman" pitchFamily="18" charset="0"/>
+              </a:defRPr>
+            </a:lvl3pPr>
+            <a:lvl4pPr algn="l" rtl="0" fontAlgn="base">
+              <a:spcBef>
+                <a:spcPct val="0"/>
+              </a:spcBef>
+              <a:spcAft>
+                <a:spcPct val="0"/>
+              </a:spcAft>
+              <a:defRPr sz="4400">
+                <a:solidFill>
+                  <a:schemeClr val="tx2"/>
+                </a:solidFill>
+                <a:latin typeface="Times New Roman" pitchFamily="18" charset="0"/>
+              </a:defRPr>
+            </a:lvl4pPr>
+            <a:lvl5pPr algn="l" rtl="0" fontAlgn="base">
+              <a:spcBef>
+                <a:spcPct val="0"/>
+              </a:spcBef>
+              <a:spcAft>
+                <a:spcPct val="0"/>
+              </a:spcAft>
+              <a:defRPr sz="4400">
+                <a:solidFill>
+                  <a:schemeClr val="tx2"/>
+                </a:solidFill>
+                <a:latin typeface="Times New Roman" pitchFamily="18" charset="0"/>
+              </a:defRPr>
+            </a:lvl5pPr>
+            <a:lvl6pPr marL="457200" algn="l" rtl="0" fontAlgn="base">
+              <a:spcBef>
+                <a:spcPct val="0"/>
+              </a:spcBef>
+              <a:spcAft>
+                <a:spcPct val="0"/>
+              </a:spcAft>
+              <a:defRPr sz="4400">
+                <a:solidFill>
+                  <a:schemeClr val="tx2"/>
+                </a:solidFill>
+                <a:latin typeface="Times New Roman" pitchFamily="18" charset="0"/>
+              </a:defRPr>
+            </a:lvl6pPr>
+            <a:lvl7pPr marL="914400" algn="l" rtl="0" fontAlgn="base">
+              <a:spcBef>
+                <a:spcPct val="0"/>
+              </a:spcBef>
+              <a:spcAft>
+                <a:spcPct val="0"/>
+              </a:spcAft>
+              <a:defRPr sz="4400">
+                <a:solidFill>
+                  <a:schemeClr val="tx2"/>
+                </a:solidFill>
+                <a:latin typeface="Times New Roman" pitchFamily="18" charset="0"/>
+              </a:defRPr>
+            </a:lvl7pPr>
+            <a:lvl8pPr marL="1371600" algn="l" rtl="0" fontAlgn="base">
+              <a:spcBef>
+                <a:spcPct val="0"/>
+              </a:spcBef>
+              <a:spcAft>
+                <a:spcPct val="0"/>
+              </a:spcAft>
+              <a:defRPr sz="4400">
+                <a:solidFill>
+                  <a:schemeClr val="tx2"/>
+                </a:solidFill>
+                <a:latin typeface="Times New Roman" pitchFamily="18" charset="0"/>
+              </a:defRPr>
+            </a:lvl8pPr>
+            <a:lvl9pPr marL="1828800" algn="l" rtl="0" fontAlgn="base">
+              <a:spcBef>
+                <a:spcPct val="0"/>
+              </a:spcBef>
+              <a:spcAft>
+                <a:spcPct val="0"/>
+              </a:spcAft>
+              <a:defRPr sz="4400">
+                <a:solidFill>
+                  <a:schemeClr val="tx2"/>
+                </a:solidFill>
+                <a:latin typeface="Times New Roman" pitchFamily="18" charset="0"/>
+              </a:defRPr>
+            </a:lvl9pPr>
+          </a:lstStyle>
+          <a:p>
+            <a:pPr algn="ctr">
+              <a:buClrTx/>
+              <a:buSzTx/>
+              <a:buFontTx/>
+              <a:buNone/>
+            </a:pPr>
+            <a:r>
+              <a:rPr kumimoji="0" lang="ru-RU" altLang="ru-RU" b="1" kern="0" dirty="0" smtClean="0"/>
+              <a:t>Коммутация </a:t>
+            </a:r>
+            <a:r>
+              <a:rPr kumimoji="0" lang="en-US" altLang="ru-RU" b="1" kern="0" dirty="0" smtClean="0"/>
+              <a:t>vs </a:t>
+            </a:r>
+            <a:r>
+              <a:rPr kumimoji="0" lang="ru-RU" altLang="ru-RU" b="1" kern="0" dirty="0" smtClean="0"/>
+              <a:t>Маршрутизация</a:t>
+            </a:r>
+            <a:endParaRPr kumimoji="0" lang="ru-RU" altLang="ru-RU" b="1" kern="0" dirty="0" smtClean="0"/>
+          </a:p>
+        </p:txBody>
+      </p:sp>
+      <p:sp>
+        <p:nvSpPr>
+          <p:cNvPr id="3" name="Прямоугольник 2"/>
+          <p:cNvSpPr/>
+          <p:nvPr/>
+        </p:nvSpPr>
+        <p:spPr>
+          <a:xfrm>
+            <a:off x="467544" y="1628800"/>
+            <a:ext cx="8496944" cy="4093428"/>
+          </a:xfrm>
+          <a:prstGeom prst="rect">
+            <a:avLst/>
+          </a:prstGeom>
+        </p:spPr>
+        <p:txBody>
+          <a:bodyPr wrap="square">
+            <a:spAutoFit/>
+          </a:bodyPr>
+          <a:lstStyle/>
+          <a:p>
+            <a:pPr eaLnBrk="0" hangingPunct="0">
+              <a:spcBef>
+                <a:spcPts val="0"/>
+              </a:spcBef>
+              <a:buNone/>
+            </a:pPr>
+            <a:r>
+              <a:rPr lang="ru-RU" altLang="ru-RU" b="1" dirty="0">
+                <a:solidFill>
+                  <a:srgbClr val="100E0C"/>
+                </a:solidFill>
+                <a:latin typeface="+mn-lt"/>
+              </a:rPr>
+              <a:t>Коммутация</a:t>
+            </a:r>
+            <a:r>
+              <a:rPr lang="ru-RU" altLang="ru-RU" dirty="0">
+                <a:solidFill>
+                  <a:srgbClr val="100E0C"/>
+                </a:solidFill>
+                <a:latin typeface="+mn-lt"/>
+              </a:rPr>
+              <a:t> - экономичное продвижение пакетов на основании локального </a:t>
+            </a:r>
+            <a:r>
+              <a:rPr lang="ru-RU" altLang="ru-RU" dirty="0" smtClean="0">
+                <a:solidFill>
+                  <a:srgbClr val="100E0C"/>
+                </a:solidFill>
+                <a:latin typeface="+mn-lt"/>
+              </a:rPr>
+              <a:t>адреса</a:t>
+            </a:r>
+          </a:p>
+          <a:p>
+            <a:pPr marL="800100" lvl="1" indent="-342900" eaLnBrk="0" hangingPunct="0">
+              <a:spcBef>
+                <a:spcPts val="0"/>
+              </a:spcBef>
+            </a:pPr>
+            <a:r>
+              <a:rPr lang="en-US" altLang="ru-RU" dirty="0" smtClean="0">
+                <a:solidFill>
+                  <a:srgbClr val="100E0C"/>
+                </a:solidFill>
+                <a:latin typeface="+mn-lt"/>
+              </a:rPr>
+              <a:t>MAC</a:t>
+            </a:r>
+            <a:r>
+              <a:rPr lang="ru-RU" altLang="ru-RU" dirty="0" smtClean="0">
+                <a:solidFill>
+                  <a:srgbClr val="100E0C"/>
+                </a:solidFill>
+                <a:latin typeface="+mn-lt"/>
+              </a:rPr>
+              <a:t>-адрес</a:t>
+            </a:r>
+            <a:endParaRPr lang="ru-RU" altLang="ru-RU" dirty="0">
+              <a:solidFill>
+                <a:srgbClr val="100E0C"/>
+              </a:solidFill>
+              <a:latin typeface="+mn-lt"/>
+            </a:endParaRPr>
+          </a:p>
+          <a:p>
+            <a:pPr marL="800100" lvl="1" indent="-342900" eaLnBrk="0" hangingPunct="0">
+              <a:spcBef>
+                <a:spcPts val="0"/>
+              </a:spcBef>
+            </a:pPr>
+            <a:r>
+              <a:rPr lang="ru-RU" altLang="ru-RU" dirty="0" smtClean="0">
+                <a:solidFill>
+                  <a:srgbClr val="100E0C"/>
+                </a:solidFill>
+                <a:latin typeface="+mn-lt"/>
+              </a:rPr>
+              <a:t>номер </a:t>
+            </a:r>
+            <a:r>
+              <a:rPr lang="ru-RU" altLang="ru-RU" dirty="0">
+                <a:solidFill>
+                  <a:srgbClr val="100E0C"/>
+                </a:solidFill>
+                <a:latin typeface="+mn-lt"/>
+              </a:rPr>
+              <a:t>виртуального </a:t>
+            </a:r>
+            <a:r>
+              <a:rPr lang="ru-RU" altLang="ru-RU" dirty="0" smtClean="0">
+                <a:solidFill>
+                  <a:srgbClr val="100E0C"/>
+                </a:solidFill>
+                <a:latin typeface="+mn-lt"/>
+              </a:rPr>
+              <a:t>канала</a:t>
+            </a:r>
+            <a:endParaRPr lang="ru-RU" altLang="ru-RU" dirty="0">
+              <a:solidFill>
+                <a:srgbClr val="100E0C"/>
+              </a:solidFill>
+              <a:latin typeface="+mn-lt"/>
+            </a:endParaRPr>
+          </a:p>
+          <a:p>
+            <a:pPr marL="342900" indent="-342900" eaLnBrk="0" hangingPunct="0">
+              <a:spcBef>
+                <a:spcPts val="0"/>
+              </a:spcBef>
+            </a:pPr>
+            <a:r>
+              <a:rPr lang="ru-RU" altLang="ru-RU" dirty="0">
+                <a:solidFill>
+                  <a:srgbClr val="100E0C"/>
+                </a:solidFill>
+                <a:latin typeface="+mn-lt"/>
+              </a:rPr>
+              <a:t>Обеспечивается продвижение пакета между «соседями»:</a:t>
+            </a:r>
+          </a:p>
+          <a:p>
+            <a:pPr marL="800100" lvl="1" indent="-342900" eaLnBrk="0" hangingPunct="0">
+              <a:spcBef>
+                <a:spcPts val="0"/>
+              </a:spcBef>
+            </a:pPr>
+            <a:r>
+              <a:rPr lang="ru-RU" altLang="ru-RU" dirty="0">
+                <a:solidFill>
+                  <a:srgbClr val="100E0C"/>
+                </a:solidFill>
+                <a:latin typeface="+mn-lt"/>
+              </a:rPr>
+              <a:t>одной локальной сети (не разделенной маршрутизаторами)</a:t>
+            </a:r>
+          </a:p>
+          <a:p>
+            <a:pPr marL="800100" lvl="1" indent="-342900" eaLnBrk="0" hangingPunct="0">
+              <a:spcBef>
+                <a:spcPts val="0"/>
+              </a:spcBef>
+            </a:pPr>
+            <a:r>
+              <a:rPr lang="ru-RU" altLang="ru-RU" dirty="0">
+                <a:solidFill>
+                  <a:srgbClr val="100E0C"/>
+                </a:solidFill>
+                <a:latin typeface="+mn-lt"/>
+              </a:rPr>
+              <a:t>по каналу «точка-точка» глобальной сети</a:t>
+            </a:r>
+          </a:p>
+          <a:p>
+            <a:pPr marL="342900" indent="-342900" eaLnBrk="0" hangingPunct="0">
+              <a:spcBef>
+                <a:spcPts val="0"/>
+              </a:spcBef>
+            </a:pPr>
+            <a:r>
+              <a:rPr lang="ru-RU" altLang="ru-RU" dirty="0">
+                <a:solidFill>
+                  <a:srgbClr val="100E0C"/>
+                </a:solidFill>
+                <a:latin typeface="+mn-lt"/>
+              </a:rPr>
+              <a:t>Таблицы коммутации небольшого размера </a:t>
+            </a:r>
+          </a:p>
+          <a:p>
+            <a:pPr marL="800100" lvl="1" indent="-342900" eaLnBrk="0" hangingPunct="0">
+              <a:spcBef>
+                <a:spcPts val="0"/>
+              </a:spcBef>
+            </a:pPr>
+            <a:r>
+              <a:rPr lang="ru-RU" altLang="ru-RU" dirty="0" smtClean="0">
+                <a:solidFill>
+                  <a:srgbClr val="100E0C"/>
+                </a:solidFill>
+                <a:latin typeface="+mn-lt"/>
+              </a:rPr>
+              <a:t>Учитываются </a:t>
+            </a:r>
+            <a:r>
+              <a:rPr lang="ru-RU" altLang="ru-RU" dirty="0">
+                <a:solidFill>
+                  <a:srgbClr val="100E0C"/>
+                </a:solidFill>
+                <a:latin typeface="+mn-lt"/>
+              </a:rPr>
+              <a:t>только адреса активно взаимодействующих «соседей»</a:t>
+            </a:r>
+          </a:p>
+          <a:p>
+            <a:pPr marL="342900" indent="-342900" eaLnBrk="0" hangingPunct="0">
+              <a:spcBef>
+                <a:spcPts val="0"/>
+              </a:spcBef>
+            </a:pPr>
+            <a:r>
+              <a:rPr lang="ru-RU" altLang="ru-RU" dirty="0">
+                <a:solidFill>
+                  <a:srgbClr val="100E0C"/>
+                </a:solidFill>
+                <a:latin typeface="+mn-lt"/>
+              </a:rPr>
+              <a:t>Пакет при продвижении не </a:t>
+            </a:r>
+            <a:r>
+              <a:rPr lang="ru-RU" altLang="ru-RU" dirty="0" smtClean="0">
+                <a:solidFill>
+                  <a:srgbClr val="100E0C"/>
+                </a:solidFill>
+                <a:latin typeface="+mn-lt"/>
+              </a:rPr>
+              <a:t>модифицируется: экономия</a:t>
+            </a:r>
+          </a:p>
+          <a:p>
+            <a:pPr marL="800100" lvl="1" indent="-342900" eaLnBrk="0" hangingPunct="0">
+              <a:spcBef>
+                <a:spcPts val="0"/>
+              </a:spcBef>
+            </a:pPr>
+            <a:r>
+              <a:rPr lang="ru-RU" altLang="ru-RU" dirty="0" smtClean="0">
+                <a:solidFill>
+                  <a:srgbClr val="100E0C"/>
+                </a:solidFill>
+                <a:latin typeface="+mn-lt"/>
+              </a:rPr>
+              <a:t>Действий</a:t>
+            </a:r>
+          </a:p>
+          <a:p>
+            <a:pPr marL="800100" lvl="1" indent="-342900" eaLnBrk="0" hangingPunct="0">
+              <a:spcBef>
+                <a:spcPts val="0"/>
+              </a:spcBef>
+            </a:pPr>
+            <a:r>
+              <a:rPr lang="ru-RU" altLang="ru-RU" dirty="0" smtClean="0">
+                <a:solidFill>
+                  <a:srgbClr val="100E0C"/>
+                </a:solidFill>
+                <a:latin typeface="+mn-lt"/>
+              </a:rPr>
+              <a:t>Стоимости</a:t>
+            </a:r>
+          </a:p>
+          <a:p>
+            <a:pPr marL="800100" lvl="1" indent="-342900" eaLnBrk="0" hangingPunct="0">
+              <a:spcBef>
+                <a:spcPts val="0"/>
+              </a:spcBef>
+            </a:pPr>
+            <a:r>
+              <a:rPr lang="ru-RU" altLang="ru-RU" dirty="0" smtClean="0">
+                <a:solidFill>
+                  <a:srgbClr val="100E0C"/>
+                </a:solidFill>
+                <a:latin typeface="+mn-lt"/>
+              </a:rPr>
+              <a:t>Скорости</a:t>
+            </a:r>
+            <a:endParaRPr lang="ru-RU" altLang="ru-RU" dirty="0">
+              <a:solidFill>
+                <a:srgbClr val="100E0C"/>
+              </a:solidFill>
+              <a:latin typeface="+mn-lt"/>
+            </a:endParaRPr>
+          </a:p>
+        </p:txBody>
+      </p:sp>
+    </p:spTree>
+    <p:extLst>
+      <p:ext uri="{BB962C8B-B14F-4D97-AF65-F5344CB8AC3E}">
+        <p14:creationId xmlns:p14="http://schemas.microsoft.com/office/powerpoint/2010/main" val="3586132924"/>
+      </p:ext>
+    </p:extLst>
+  </p:cSld>
+  <p:clrMapOvr>
+    <a:masterClrMapping/>
+  </p:clrMapOvr>
+  <p:timing>
+    <p:tnLst>
+      <p:par>
+        <p:cTn id="1" dur="indefinite" restart="never" nodeType="tmRoot"/>
+      </p:par>
+    </p:tnLst>
+  </p:timing>
+</p:sld>
+</file>
+
+<file path=ppt/slides/slide4.xml><?xml version="1.0" encoding="utf-8"?>
+<p:sld xmlns:a="http://schemas.openxmlformats.org/drawingml/2006/main" xmlns:r="http://schemas.openxmlformats.org/officeDocument/2006/relationships" xmlns:p="http://schemas.openxmlformats.org/presentationml/2006/main">
+  <p:cSld>
+    <p:spTree>
+      <p:nvGrpSpPr>
+        <p:cNvPr id="1" name=""/>
+        <p:cNvGrpSpPr/>
+        <p:nvPr/>
+      </p:nvGrpSpPr>
+      <p:grpSpPr>
+        <a:xfrm>
+          <a:off x="0" y="0"/>
+          <a:ext cx="0" cy="0"/>
+          <a:chOff x="0" y="0"/>
+          <a:chExt cx="0" cy="0"/>
+        </a:xfrm>
+      </p:grpSpPr>
+      <p:sp>
+        <p:nvSpPr>
+          <p:cNvPr id="123" name="Заголовок 1"/>
+          <p:cNvSpPr txBox="1">
+            <a:spLocks/>
+          </p:cNvSpPr>
+          <p:nvPr/>
+        </p:nvSpPr>
+        <p:spPr>
+          <a:xfrm>
+            <a:off x="221990" y="908720"/>
+            <a:ext cx="8892480" cy="1008112"/>
+          </a:xfrm>
+          <a:prstGeom prst="rect">
+            <a:avLst/>
+          </a:prstGeom>
+        </p:spPr>
+        <p:txBody>
+          <a:bodyPr/>
+          <a:lstStyle>
+            <a:lvl1pPr algn="l" rtl="0" fontAlgn="base">
+              <a:spcBef>
+                <a:spcPct val="0"/>
+              </a:spcBef>
+              <a:spcAft>
+                <a:spcPct val="0"/>
+              </a:spcAft>
+              <a:defRPr sz="4400">
+                <a:solidFill>
+                  <a:schemeClr val="tx2"/>
+                </a:solidFill>
+                <a:latin typeface="+mj-lt"/>
+                <a:ea typeface="+mj-ea"/>
+                <a:cs typeface="+mj-cs"/>
+              </a:defRPr>
+            </a:lvl1pPr>
+            <a:lvl2pPr algn="l" rtl="0" fontAlgn="base">
+              <a:spcBef>
+                <a:spcPct val="0"/>
+              </a:spcBef>
+              <a:spcAft>
+                <a:spcPct val="0"/>
+              </a:spcAft>
+              <a:defRPr sz="4400">
+                <a:solidFill>
+                  <a:schemeClr val="tx2"/>
+                </a:solidFill>
+                <a:latin typeface="Times New Roman" pitchFamily="18" charset="0"/>
+              </a:defRPr>
+            </a:lvl2pPr>
+            <a:lvl3pPr algn="l" rtl="0" fontAlgn="base">
+              <a:spcBef>
+                <a:spcPct val="0"/>
+              </a:spcBef>
+              <a:spcAft>
+                <a:spcPct val="0"/>
+              </a:spcAft>
+              <a:defRPr sz="4400">
+                <a:solidFill>
+                  <a:schemeClr val="tx2"/>
+                </a:solidFill>
+                <a:latin typeface="Times New Roman" pitchFamily="18" charset="0"/>
+              </a:defRPr>
+            </a:lvl3pPr>
+            <a:lvl4pPr algn="l" rtl="0" fontAlgn="base">
+              <a:spcBef>
+                <a:spcPct val="0"/>
+              </a:spcBef>
+              <a:spcAft>
+                <a:spcPct val="0"/>
+              </a:spcAft>
+              <a:defRPr sz="4400">
+                <a:solidFill>
+                  <a:schemeClr val="tx2"/>
+                </a:solidFill>
+                <a:latin typeface="Times New Roman" pitchFamily="18" charset="0"/>
+              </a:defRPr>
+            </a:lvl4pPr>
+            <a:lvl5pPr algn="l" rtl="0" fontAlgn="base">
+              <a:spcBef>
+                <a:spcPct val="0"/>
+              </a:spcBef>
+              <a:spcAft>
+                <a:spcPct val="0"/>
+              </a:spcAft>
+              <a:defRPr sz="4400">
+                <a:solidFill>
+                  <a:schemeClr val="tx2"/>
+                </a:solidFill>
+                <a:latin typeface="Times New Roman" pitchFamily="18" charset="0"/>
+              </a:defRPr>
+            </a:lvl5pPr>
+            <a:lvl6pPr marL="457200" algn="l" rtl="0" fontAlgn="base">
+              <a:spcBef>
+                <a:spcPct val="0"/>
+              </a:spcBef>
+              <a:spcAft>
+                <a:spcPct val="0"/>
+              </a:spcAft>
+              <a:defRPr sz="4400">
+                <a:solidFill>
+                  <a:schemeClr val="tx2"/>
+                </a:solidFill>
+                <a:latin typeface="Times New Roman" pitchFamily="18" charset="0"/>
+              </a:defRPr>
+            </a:lvl6pPr>
+            <a:lvl7pPr marL="914400" algn="l" rtl="0" fontAlgn="base">
+              <a:spcBef>
+                <a:spcPct val="0"/>
+              </a:spcBef>
+              <a:spcAft>
+                <a:spcPct val="0"/>
+              </a:spcAft>
+              <a:defRPr sz="4400">
+                <a:solidFill>
+                  <a:schemeClr val="tx2"/>
+                </a:solidFill>
+                <a:latin typeface="Times New Roman" pitchFamily="18" charset="0"/>
+              </a:defRPr>
+            </a:lvl7pPr>
+            <a:lvl8pPr marL="1371600" algn="l" rtl="0" fontAlgn="base">
+              <a:spcBef>
+                <a:spcPct val="0"/>
+              </a:spcBef>
+              <a:spcAft>
+                <a:spcPct val="0"/>
+              </a:spcAft>
+              <a:defRPr sz="4400">
+                <a:solidFill>
+                  <a:schemeClr val="tx2"/>
+                </a:solidFill>
+                <a:latin typeface="Times New Roman" pitchFamily="18" charset="0"/>
+              </a:defRPr>
+            </a:lvl8pPr>
+            <a:lvl9pPr marL="1828800" algn="l" rtl="0" fontAlgn="base">
+              <a:spcBef>
+                <a:spcPct val="0"/>
+              </a:spcBef>
+              <a:spcAft>
+                <a:spcPct val="0"/>
+              </a:spcAft>
+              <a:defRPr sz="4400">
+                <a:solidFill>
+                  <a:schemeClr val="tx2"/>
+                </a:solidFill>
+                <a:latin typeface="Times New Roman" pitchFamily="18" charset="0"/>
+              </a:defRPr>
+            </a:lvl9pPr>
+          </a:lstStyle>
+          <a:p>
+            <a:pPr algn="ctr">
+              <a:buClrTx/>
+              <a:buSzTx/>
+              <a:buFontTx/>
+              <a:buNone/>
+            </a:pPr>
+            <a:r>
+              <a:rPr kumimoji="0" lang="ru-RU" altLang="ru-RU" b="1" kern="0" dirty="0" smtClean="0"/>
+              <a:t>Доставка в «свою» сеть</a:t>
+            </a:r>
+            <a:endParaRPr kumimoji="0" lang="ru-RU" altLang="ru-RU" b="1" kern="0" dirty="0" smtClean="0"/>
+          </a:p>
+        </p:txBody>
+      </p:sp>
+      <p:grpSp>
+        <p:nvGrpSpPr>
+          <p:cNvPr id="13" name="Группа 12"/>
+          <p:cNvGrpSpPr/>
+          <p:nvPr/>
+        </p:nvGrpSpPr>
+        <p:grpSpPr>
+          <a:xfrm>
+            <a:off x="2670411" y="2822079"/>
+            <a:ext cx="4176464" cy="400110"/>
+            <a:chOff x="1979712" y="2996952"/>
+            <a:chExt cx="4176464" cy="400110"/>
+          </a:xfrm>
+        </p:grpSpPr>
+        <p:sp>
+          <p:nvSpPr>
+            <p:cNvPr id="7" name="Прямоугольник 6"/>
+            <p:cNvSpPr/>
+            <p:nvPr/>
+          </p:nvSpPr>
+          <p:spPr bwMode="auto">
+            <a:xfrm>
+              <a:off x="1979712" y="2996952"/>
+              <a:ext cx="2808312" cy="400110"/>
+            </a:xfrm>
+            <a:prstGeom prst="rect">
+              <a:avLst/>
+            </a:prstGeom>
+            <a:solidFill>
+              <a:schemeClr val="bg1">
+                <a:lumMod val="75000"/>
+              </a:schemeClr>
+            </a:solidFill>
+            <a:ln w="9525" cap="flat" cmpd="sng" algn="ctr">
+              <a:noFill/>
+              <a:prstDash val="solid"/>
+              <a:round/>
+              <a:headEnd type="none" w="med" len="med"/>
+              <a:tailEnd type="none" w="med" len="med"/>
+            </a:ln>
+            <a:effectLst/>
+            <a:extLst/>
+          </p:spPr>
+          <p:txBody>
+            <a:bodyPr vert="horz" wrap="square" lIns="91440" tIns="45720" rIns="91440" bIns="0" numCol="1" rtlCol="0" anchor="t" anchorCtr="0" compatLnSpc="1">
+              <a:prstTxWarp prst="textNoShape">
+                <a:avLst/>
+              </a:prstTxWarp>
+            </a:bodyPr>
+            <a:lstStyle/>
+            <a:p>
+              <a:pPr marL="457200" marR="0" indent="-457200" algn="l" defTabSz="914400" rtl="0" eaLnBrk="1" fontAlgn="base" latinLnBrk="0" hangingPunct="1">
+                <a:lnSpc>
+                  <a:spcPct val="100000"/>
+                </a:lnSpc>
+                <a:spcBef>
+                  <a:spcPct val="20000"/>
+                </a:spcBef>
+                <a:spcAft>
+                  <a:spcPct val="0"/>
+                </a:spcAft>
+                <a:buClr>
+                  <a:srgbClr val="A50021"/>
+                </a:buClr>
+                <a:buSzPct val="75000"/>
+                <a:buFont typeface="Wingdings" pitchFamily="2" charset="2"/>
+                <a:buChar char="n"/>
+                <a:tabLst/>
+              </a:pPr>
+              <a:endParaRPr kumimoji="1" lang="ru-RU" sz="2000" b="0" i="0" u="none" strike="noStrike" cap="none" normalizeH="0" baseline="0" smtClean="0">
+                <a:ln>
+                  <a:noFill/>
+                </a:ln>
+                <a:solidFill>
+                  <a:schemeClr val="tx1"/>
+                </a:solidFill>
+                <a:effectLst/>
+                <a:latin typeface="Times New Roman" pitchFamily="18" charset="0"/>
+                <a:cs typeface="Times New Roman" pitchFamily="18" charset="0"/>
+              </a:endParaRPr>
+            </a:p>
+          </p:txBody>
+        </p:sp>
+        <p:sp>
+          <p:nvSpPr>
+            <p:cNvPr id="6" name="TextBox 5"/>
+            <p:cNvSpPr txBox="1"/>
+            <p:nvPr/>
+          </p:nvSpPr>
+          <p:spPr>
+            <a:xfrm>
+              <a:off x="1979712" y="2996952"/>
+              <a:ext cx="216024" cy="400110"/>
+            </a:xfrm>
+            <a:prstGeom prst="rect">
+              <a:avLst/>
+            </a:prstGeom>
+            <a:solidFill>
+              <a:srgbClr val="FFFF00"/>
+            </a:solidFill>
+          </p:spPr>
+          <p:txBody>
+            <a:bodyPr wrap="square" rtlCol="0">
+              <a:spAutoFit/>
+            </a:bodyPr>
+            <a:lstStyle/>
+            <a:p>
+              <a:pPr algn="ctr">
+                <a:buNone/>
+              </a:pPr>
+              <a:r>
+                <a:rPr lang="ru-RU" dirty="0" smtClean="0">
+                  <a:solidFill>
+                    <a:srgbClr val="002060"/>
+                  </a:solidFill>
+                </a:rPr>
+                <a:t>4</a:t>
+              </a:r>
+              <a:endParaRPr lang="ru-RU" dirty="0">
+                <a:solidFill>
+                  <a:srgbClr val="002060"/>
+                </a:solidFill>
+              </a:endParaRPr>
+            </a:p>
+          </p:txBody>
+        </p:sp>
+        <p:sp>
+          <p:nvSpPr>
+            <p:cNvPr id="8" name="TextBox 7"/>
+            <p:cNvSpPr txBox="1"/>
+            <p:nvPr/>
+          </p:nvSpPr>
+          <p:spPr>
+            <a:xfrm>
+              <a:off x="2987824" y="2996952"/>
+              <a:ext cx="720080" cy="400110"/>
+            </a:xfrm>
+            <a:prstGeom prst="rect">
+              <a:avLst/>
+            </a:prstGeom>
+            <a:solidFill>
+              <a:srgbClr val="92D050"/>
+            </a:solidFill>
+          </p:spPr>
+          <p:txBody>
+            <a:bodyPr wrap="square" rtlCol="0">
+              <a:spAutoFit/>
+            </a:bodyPr>
+            <a:lstStyle/>
+            <a:p>
+              <a:pPr>
+                <a:buNone/>
+              </a:pPr>
+              <a:r>
+                <a:rPr lang="en-US" dirty="0" err="1" smtClean="0">
+                  <a:solidFill>
+                    <a:srgbClr val="100E0C"/>
+                  </a:solidFill>
+                </a:rPr>
+                <a:t>IPsrc</a:t>
+              </a:r>
+              <a:endParaRPr lang="ru-RU" dirty="0">
+                <a:solidFill>
+                  <a:srgbClr val="100E0C"/>
+                </a:solidFill>
+              </a:endParaRPr>
+            </a:p>
+          </p:txBody>
+        </p:sp>
+        <p:sp>
+          <p:nvSpPr>
+            <p:cNvPr id="9" name="TextBox 8"/>
+            <p:cNvSpPr txBox="1"/>
+            <p:nvPr/>
+          </p:nvSpPr>
+          <p:spPr>
+            <a:xfrm>
+              <a:off x="3707904" y="2996952"/>
+              <a:ext cx="720080" cy="400110"/>
+            </a:xfrm>
+            <a:prstGeom prst="rect">
+              <a:avLst/>
+            </a:prstGeom>
+            <a:solidFill>
+              <a:srgbClr val="FFC000"/>
+            </a:solidFill>
+            <a:ln>
+              <a:noFill/>
+            </a:ln>
+          </p:spPr>
+          <p:txBody>
+            <a:bodyPr wrap="square" rtlCol="0">
+              <a:spAutoFit/>
+            </a:bodyPr>
+            <a:lstStyle/>
+            <a:p>
+              <a:pPr>
+                <a:buNone/>
+              </a:pPr>
+              <a:r>
+                <a:rPr lang="en-US" dirty="0" err="1" smtClean="0">
+                  <a:solidFill>
+                    <a:srgbClr val="100E0C"/>
+                  </a:solidFill>
+                </a:rPr>
+                <a:t>IPdst</a:t>
+              </a:r>
+              <a:endParaRPr lang="ru-RU" dirty="0">
+                <a:solidFill>
+                  <a:srgbClr val="100E0C"/>
+                </a:solidFill>
+              </a:endParaRPr>
+            </a:p>
+          </p:txBody>
+        </p:sp>
+        <p:sp>
+          <p:nvSpPr>
+            <p:cNvPr id="12" name="TextBox 11"/>
+            <p:cNvSpPr txBox="1"/>
+            <p:nvPr/>
+          </p:nvSpPr>
+          <p:spPr>
+            <a:xfrm>
+              <a:off x="4788024" y="2996952"/>
+              <a:ext cx="1368152" cy="400110"/>
+            </a:xfrm>
+            <a:prstGeom prst="rect">
+              <a:avLst/>
+            </a:prstGeom>
+            <a:solidFill>
+              <a:srgbClr val="7030A0"/>
+            </a:solidFill>
+            <a:ln>
+              <a:noFill/>
+            </a:ln>
+          </p:spPr>
+          <p:txBody>
+            <a:bodyPr wrap="square" rtlCol="0">
+              <a:spAutoFit/>
+            </a:bodyPr>
+            <a:lstStyle/>
+            <a:p>
+              <a:pPr algn="ctr">
+                <a:buNone/>
+              </a:pPr>
+              <a:r>
+                <a:rPr lang="en-US" dirty="0" smtClean="0">
+                  <a:solidFill>
+                    <a:srgbClr val="FFFF00"/>
+                  </a:solidFill>
+                </a:rPr>
+                <a:t>Data</a:t>
+              </a:r>
+              <a:endParaRPr lang="ru-RU" dirty="0">
+                <a:solidFill>
+                  <a:srgbClr val="FFFF00"/>
+                </a:solidFill>
+              </a:endParaRPr>
+            </a:p>
+          </p:txBody>
+        </p:sp>
+      </p:grpSp>
+      <p:grpSp>
+        <p:nvGrpSpPr>
+          <p:cNvPr id="28" name="Группа 27"/>
+          <p:cNvGrpSpPr/>
+          <p:nvPr/>
+        </p:nvGrpSpPr>
+        <p:grpSpPr>
+          <a:xfrm>
+            <a:off x="1086594" y="4145260"/>
+            <a:ext cx="7488473" cy="591701"/>
+            <a:chOff x="1086594" y="4145260"/>
+            <a:chExt cx="7488473" cy="591701"/>
+          </a:xfrm>
+        </p:grpSpPr>
+        <p:sp>
+          <p:nvSpPr>
+            <p:cNvPr id="16" name="Прямоугольник 15"/>
+            <p:cNvSpPr/>
+            <p:nvPr/>
+          </p:nvSpPr>
+          <p:spPr bwMode="auto">
+            <a:xfrm>
+              <a:off x="4398603" y="4145260"/>
+              <a:ext cx="2808312" cy="400110"/>
+            </a:xfrm>
+            <a:prstGeom prst="rect">
+              <a:avLst/>
+            </a:prstGeom>
+            <a:solidFill>
+              <a:schemeClr val="bg1">
+                <a:lumMod val="75000"/>
+              </a:schemeClr>
+            </a:solidFill>
+            <a:ln w="9525" cap="flat" cmpd="sng" algn="ctr">
+              <a:noFill/>
+              <a:prstDash val="solid"/>
+              <a:round/>
+              <a:headEnd type="none" w="med" len="med"/>
+              <a:tailEnd type="none" w="med" len="med"/>
+            </a:ln>
+            <a:effectLst/>
+            <a:extLst/>
+          </p:spPr>
+          <p:txBody>
+            <a:bodyPr vert="horz" wrap="square" lIns="91440" tIns="45720" rIns="91440" bIns="0" numCol="1" rtlCol="0" anchor="t" anchorCtr="0" compatLnSpc="1">
+              <a:prstTxWarp prst="textNoShape">
+                <a:avLst/>
+              </a:prstTxWarp>
+            </a:bodyPr>
+            <a:lstStyle/>
+            <a:p>
+              <a:pPr marL="457200" marR="0" indent="-457200" algn="l" defTabSz="914400" rtl="0" eaLnBrk="1" fontAlgn="base" latinLnBrk="0" hangingPunct="1">
+                <a:lnSpc>
+                  <a:spcPct val="100000"/>
+                </a:lnSpc>
+                <a:spcBef>
+                  <a:spcPct val="20000"/>
+                </a:spcBef>
+                <a:spcAft>
+                  <a:spcPct val="0"/>
+                </a:spcAft>
+                <a:buClr>
+                  <a:srgbClr val="A50021"/>
+                </a:buClr>
+                <a:buSzPct val="75000"/>
+                <a:buFont typeface="Wingdings" pitchFamily="2" charset="2"/>
+                <a:buChar char="n"/>
+                <a:tabLst/>
+              </a:pPr>
+              <a:endParaRPr kumimoji="1" lang="ru-RU" sz="2000" b="0" i="0" u="none" strike="noStrike" cap="none" normalizeH="0" baseline="0" smtClean="0">
+                <a:ln>
+                  <a:noFill/>
+                </a:ln>
+                <a:solidFill>
+                  <a:schemeClr val="tx1"/>
+                </a:solidFill>
+                <a:effectLst/>
+                <a:latin typeface="Times New Roman" pitchFamily="18" charset="0"/>
+                <a:cs typeface="Times New Roman" pitchFamily="18" charset="0"/>
+              </a:endParaRPr>
+            </a:p>
+          </p:txBody>
+        </p:sp>
+        <p:sp>
+          <p:nvSpPr>
+            <p:cNvPr id="17" name="TextBox 16"/>
+            <p:cNvSpPr txBox="1"/>
+            <p:nvPr/>
+          </p:nvSpPr>
+          <p:spPr>
+            <a:xfrm>
+              <a:off x="4398603" y="4145260"/>
+              <a:ext cx="216024" cy="400110"/>
+            </a:xfrm>
+            <a:prstGeom prst="rect">
+              <a:avLst/>
+            </a:prstGeom>
+            <a:solidFill>
+              <a:srgbClr val="FFFF00"/>
+            </a:solidFill>
+          </p:spPr>
+          <p:txBody>
+            <a:bodyPr wrap="square" rtlCol="0">
+              <a:spAutoFit/>
+            </a:bodyPr>
+            <a:lstStyle/>
+            <a:p>
+              <a:pPr algn="ctr">
+                <a:buNone/>
+              </a:pPr>
+              <a:r>
+                <a:rPr lang="ru-RU" dirty="0" smtClean="0">
+                  <a:solidFill>
+                    <a:srgbClr val="002060"/>
+                  </a:solidFill>
+                </a:rPr>
+                <a:t>4</a:t>
+              </a:r>
+              <a:endParaRPr lang="ru-RU" dirty="0">
+                <a:solidFill>
+                  <a:srgbClr val="002060"/>
+                </a:solidFill>
+              </a:endParaRPr>
+            </a:p>
+          </p:txBody>
+        </p:sp>
+        <p:sp>
+          <p:nvSpPr>
+            <p:cNvPr id="18" name="TextBox 17"/>
+            <p:cNvSpPr txBox="1"/>
+            <p:nvPr/>
+          </p:nvSpPr>
+          <p:spPr>
+            <a:xfrm>
+              <a:off x="5406715" y="4145260"/>
+              <a:ext cx="720080" cy="400110"/>
+            </a:xfrm>
+            <a:prstGeom prst="rect">
+              <a:avLst/>
+            </a:prstGeom>
+            <a:solidFill>
+              <a:srgbClr val="92D050"/>
+            </a:solidFill>
+          </p:spPr>
+          <p:txBody>
+            <a:bodyPr wrap="square" rtlCol="0">
+              <a:spAutoFit/>
+            </a:bodyPr>
+            <a:lstStyle/>
+            <a:p>
+              <a:pPr>
+                <a:buNone/>
+              </a:pPr>
+              <a:r>
+                <a:rPr lang="en-US" dirty="0" err="1" smtClean="0">
+                  <a:solidFill>
+                    <a:srgbClr val="100E0C"/>
+                  </a:solidFill>
+                </a:rPr>
+                <a:t>IPsrc</a:t>
+              </a:r>
+              <a:endParaRPr lang="ru-RU" dirty="0">
+                <a:solidFill>
+                  <a:srgbClr val="100E0C"/>
+                </a:solidFill>
+              </a:endParaRPr>
+            </a:p>
+          </p:txBody>
+        </p:sp>
+        <p:sp>
+          <p:nvSpPr>
+            <p:cNvPr id="19" name="TextBox 18"/>
+            <p:cNvSpPr txBox="1"/>
+            <p:nvPr/>
+          </p:nvSpPr>
+          <p:spPr>
+            <a:xfrm>
+              <a:off x="6126795" y="4145260"/>
+              <a:ext cx="720080" cy="400110"/>
+            </a:xfrm>
+            <a:prstGeom prst="rect">
+              <a:avLst/>
+            </a:prstGeom>
+            <a:solidFill>
+              <a:srgbClr val="FFC000"/>
+            </a:solidFill>
+            <a:ln>
+              <a:noFill/>
+            </a:ln>
+          </p:spPr>
+          <p:txBody>
+            <a:bodyPr wrap="square" rtlCol="0">
+              <a:spAutoFit/>
+            </a:bodyPr>
+            <a:lstStyle/>
+            <a:p>
+              <a:pPr>
+                <a:buNone/>
+              </a:pPr>
+              <a:r>
+                <a:rPr lang="en-US" dirty="0" err="1" smtClean="0">
+                  <a:solidFill>
+                    <a:srgbClr val="100E0C"/>
+                  </a:solidFill>
+                </a:rPr>
+                <a:t>IPdst</a:t>
+              </a:r>
+              <a:endParaRPr lang="ru-RU" dirty="0">
+                <a:solidFill>
+                  <a:srgbClr val="100E0C"/>
+                </a:solidFill>
+              </a:endParaRPr>
+            </a:p>
+          </p:txBody>
+        </p:sp>
+        <p:sp>
+          <p:nvSpPr>
+            <p:cNvPr id="20" name="TextBox 19"/>
+            <p:cNvSpPr txBox="1"/>
+            <p:nvPr/>
+          </p:nvSpPr>
+          <p:spPr>
+            <a:xfrm>
+              <a:off x="7206915" y="4145260"/>
+              <a:ext cx="1368152" cy="400110"/>
+            </a:xfrm>
+            <a:prstGeom prst="rect">
+              <a:avLst/>
+            </a:prstGeom>
+            <a:solidFill>
+              <a:srgbClr val="7030A0"/>
+            </a:solidFill>
+            <a:ln>
+              <a:noFill/>
+            </a:ln>
+          </p:spPr>
+          <p:txBody>
+            <a:bodyPr wrap="square" rtlCol="0">
+              <a:spAutoFit/>
+            </a:bodyPr>
+            <a:lstStyle/>
+            <a:p>
+              <a:pPr algn="ctr">
+                <a:buNone/>
+              </a:pPr>
+              <a:r>
+                <a:rPr lang="en-US" dirty="0" smtClean="0">
+                  <a:solidFill>
+                    <a:srgbClr val="FFFF00"/>
+                  </a:solidFill>
+                </a:rPr>
+                <a:t>Data</a:t>
+              </a:r>
+              <a:endParaRPr lang="ru-RU" dirty="0">
+                <a:solidFill>
+                  <a:srgbClr val="FFFF00"/>
+                </a:solidFill>
+              </a:endParaRPr>
+            </a:p>
+          </p:txBody>
+        </p:sp>
+        <p:sp>
+          <p:nvSpPr>
+            <p:cNvPr id="23" name="TextBox 22"/>
+            <p:cNvSpPr txBox="1"/>
+            <p:nvPr/>
+          </p:nvSpPr>
+          <p:spPr>
+            <a:xfrm>
+              <a:off x="2183842" y="4147145"/>
+              <a:ext cx="1100150" cy="400110"/>
+            </a:xfrm>
+            <a:prstGeom prst="rect">
+              <a:avLst/>
+            </a:prstGeom>
+            <a:solidFill>
+              <a:srgbClr val="FFC000"/>
+            </a:solidFill>
+            <a:ln>
+              <a:noFill/>
+            </a:ln>
+          </p:spPr>
+          <p:txBody>
+            <a:bodyPr wrap="square" rtlCol="0">
+              <a:spAutoFit/>
+            </a:bodyPr>
+            <a:lstStyle/>
+            <a:p>
+              <a:pPr algn="ctr">
+                <a:buNone/>
+              </a:pPr>
+              <a:r>
+                <a:rPr lang="en-US" dirty="0" err="1" smtClean="0">
+                  <a:solidFill>
+                    <a:srgbClr val="100E0C"/>
+                  </a:solidFill>
+                </a:rPr>
+                <a:t>MACsrc</a:t>
+              </a:r>
+              <a:endParaRPr lang="ru-RU" dirty="0">
+                <a:solidFill>
+                  <a:srgbClr val="100E0C"/>
+                </a:solidFill>
+              </a:endParaRPr>
+            </a:p>
+          </p:txBody>
+        </p:sp>
+        <p:sp>
+          <p:nvSpPr>
+            <p:cNvPr id="24" name="TextBox 23"/>
+            <p:cNvSpPr txBox="1"/>
+            <p:nvPr/>
+          </p:nvSpPr>
+          <p:spPr>
+            <a:xfrm>
+              <a:off x="1086594" y="4147145"/>
+              <a:ext cx="1100150" cy="400110"/>
+            </a:xfrm>
+            <a:prstGeom prst="rect">
+              <a:avLst/>
+            </a:prstGeom>
+            <a:solidFill>
+              <a:srgbClr val="92D050"/>
+            </a:solidFill>
+            <a:ln>
+              <a:noFill/>
+            </a:ln>
+          </p:spPr>
+          <p:txBody>
+            <a:bodyPr wrap="square" rtlCol="0">
+              <a:spAutoFit/>
+            </a:bodyPr>
+            <a:lstStyle/>
+            <a:p>
+              <a:pPr algn="ctr">
+                <a:buNone/>
+              </a:pPr>
+              <a:r>
+                <a:rPr lang="en-US" dirty="0" err="1" smtClean="0">
+                  <a:solidFill>
+                    <a:srgbClr val="100E0C"/>
+                  </a:solidFill>
+                </a:rPr>
+                <a:t>MACdst</a:t>
+              </a:r>
+              <a:endParaRPr lang="ru-RU" dirty="0">
+                <a:solidFill>
+                  <a:srgbClr val="100E0C"/>
+                </a:solidFill>
+              </a:endParaRPr>
+            </a:p>
+          </p:txBody>
+        </p:sp>
+        <p:sp>
+          <p:nvSpPr>
+            <p:cNvPr id="25" name="TextBox 24"/>
+            <p:cNvSpPr txBox="1"/>
+            <p:nvPr/>
+          </p:nvSpPr>
+          <p:spPr>
+            <a:xfrm>
+              <a:off x="3283992" y="4145260"/>
+              <a:ext cx="1100150" cy="400110"/>
+            </a:xfrm>
+            <a:prstGeom prst="rect">
+              <a:avLst/>
+            </a:prstGeom>
+            <a:solidFill>
+              <a:srgbClr val="0070C0"/>
+            </a:solidFill>
+            <a:ln>
+              <a:noFill/>
+            </a:ln>
+          </p:spPr>
+          <p:txBody>
+            <a:bodyPr wrap="square" rtlCol="0">
+              <a:spAutoFit/>
+            </a:bodyPr>
+            <a:lstStyle/>
+            <a:p>
+              <a:pPr algn="ctr">
+                <a:buNone/>
+              </a:pPr>
+              <a:r>
+                <a:rPr lang="en-US" dirty="0" smtClean="0">
+                  <a:solidFill>
+                    <a:srgbClr val="100E0C"/>
+                  </a:solidFill>
+                </a:rPr>
+                <a:t>0x800</a:t>
+              </a:r>
+              <a:endParaRPr lang="ru-RU" dirty="0">
+                <a:solidFill>
+                  <a:srgbClr val="100E0C"/>
+                </a:solidFill>
+              </a:endParaRPr>
+            </a:p>
+          </p:txBody>
+        </p:sp>
+        <p:sp>
+          <p:nvSpPr>
+            <p:cNvPr id="14" name="Правая фигурная скобка 13"/>
+            <p:cNvSpPr/>
+            <p:nvPr/>
+          </p:nvSpPr>
+          <p:spPr bwMode="auto">
+            <a:xfrm rot="5400000">
+              <a:off x="2642814" y="2995633"/>
+              <a:ext cx="185108" cy="3297548"/>
+            </a:xfrm>
+            <a:prstGeom prst="rightBrace">
+              <a:avLst/>
+            </a:prstGeom>
+            <a:noFill/>
+            <a:ln w="9525" cap="flat" cmpd="sng" algn="ctr">
+              <a:solidFill>
+                <a:schemeClr val="tx1"/>
+              </a:solidFill>
+              <a:prstDash val="solid"/>
+              <a:round/>
+              <a:headEnd type="none" w="med" len="med"/>
+              <a:tailEnd type="none" w="med" len="med"/>
+            </a:ln>
+            <a:effectLst/>
+            <a:extLst>
+              <a:ext uri="{909E8E84-426E-40DD-AFC4-6F175D3DCCD1}">
+                <a14:hiddenFill xmlns:a14="http://schemas.microsoft.com/office/drawing/2010/main">
+                  <a:solidFill>
+                    <a:schemeClr val="accent1"/>
+                  </a:solidFill>
+                </a14:hiddenFill>
+              </a:ext>
+              <a:ext uri="{AF507438-7753-43E0-B8FC-AC1667EBCBE1}">
+                <a14:hiddenEffects xmlns:a14="http://schemas.microsoft.com/office/drawing/2010/main">
+                  <a:effectLst>
+                    <a:outerShdw dist="35921" dir="2700000" algn="ctr" rotWithShape="0">
+                      <a:schemeClr val="bg2"/>
+                    </a:outerShdw>
+                  </a:effectLst>
+                </a14:hiddenEffects>
+              </a:ext>
+            </a:extLst>
+          </p:spPr>
+          <p:txBody>
+            <a:bodyPr vert="horz" wrap="square" lIns="91440" tIns="45720" rIns="91440" bIns="0" numCol="1" rtlCol="0" anchor="t" anchorCtr="0" compatLnSpc="1">
+              <a:prstTxWarp prst="textNoShape">
+                <a:avLst/>
+              </a:prstTxWarp>
+            </a:bodyPr>
+            <a:lstStyle/>
+            <a:p>
+              <a:pPr marL="457200" marR="0" indent="-457200" algn="l" defTabSz="914400" rtl="0" eaLnBrk="1" fontAlgn="base" latinLnBrk="0" hangingPunct="1">
+                <a:lnSpc>
+                  <a:spcPct val="100000"/>
+                </a:lnSpc>
+                <a:spcBef>
+                  <a:spcPct val="20000"/>
+                </a:spcBef>
+                <a:spcAft>
+                  <a:spcPct val="0"/>
+                </a:spcAft>
+                <a:buClr>
+                  <a:srgbClr val="A50021"/>
+                </a:buClr>
+                <a:buSzPct val="75000"/>
+                <a:buFont typeface="Wingdings" pitchFamily="2" charset="2"/>
+                <a:buChar char="n"/>
+                <a:tabLst/>
+              </a:pPr>
+              <a:endParaRPr kumimoji="1" lang="ru-RU" sz="2000" b="0" i="0" u="none" strike="noStrike" cap="none" normalizeH="0" baseline="0" smtClean="0">
+                <a:ln>
+                  <a:noFill/>
+                </a:ln>
+                <a:solidFill>
+                  <a:schemeClr val="tx1"/>
+                </a:solidFill>
+                <a:effectLst/>
+                <a:latin typeface="Times New Roman" pitchFamily="18" charset="0"/>
+                <a:cs typeface="Times New Roman" pitchFamily="18" charset="0"/>
+              </a:endParaRPr>
+            </a:p>
+          </p:txBody>
+        </p:sp>
+        <p:sp>
+          <p:nvSpPr>
+            <p:cNvPr id="27" name="Правая фигурная скобка 26"/>
+            <p:cNvSpPr/>
+            <p:nvPr/>
+          </p:nvSpPr>
+          <p:spPr bwMode="auto">
+            <a:xfrm rot="5400000">
+              <a:off x="6371640" y="2576161"/>
+              <a:ext cx="185108" cy="4136491"/>
+            </a:xfrm>
+            <a:prstGeom prst="rightBrace">
+              <a:avLst/>
+            </a:prstGeom>
+            <a:noFill/>
+            <a:ln w="9525" cap="flat" cmpd="sng" algn="ctr">
+              <a:solidFill>
+                <a:schemeClr val="tx1"/>
+              </a:solidFill>
+              <a:prstDash val="solid"/>
+              <a:round/>
+              <a:headEnd type="none" w="med" len="med"/>
+              <a:tailEnd type="none" w="med" len="med"/>
+            </a:ln>
+            <a:effectLst/>
+            <a:extLst>
+              <a:ext uri="{909E8E84-426E-40DD-AFC4-6F175D3DCCD1}">
+                <a14:hiddenFill xmlns:a14="http://schemas.microsoft.com/office/drawing/2010/main">
+                  <a:solidFill>
+                    <a:schemeClr val="accent1"/>
+                  </a:solidFill>
+                </a14:hiddenFill>
+              </a:ext>
+              <a:ext uri="{AF507438-7753-43E0-B8FC-AC1667EBCBE1}">
+                <a14:hiddenEffects xmlns:a14="http://schemas.microsoft.com/office/drawing/2010/main">
+                  <a:effectLst>
+                    <a:outerShdw dist="35921" dir="2700000" algn="ctr" rotWithShape="0">
+                      <a:schemeClr val="bg2"/>
+                    </a:outerShdw>
+                  </a:effectLst>
+                </a14:hiddenEffects>
+              </a:ext>
+            </a:extLst>
+          </p:spPr>
+          <p:txBody>
+            <a:bodyPr vert="horz" wrap="square" lIns="91440" tIns="45720" rIns="91440" bIns="0" numCol="1" rtlCol="0" anchor="t" anchorCtr="0" compatLnSpc="1">
+              <a:prstTxWarp prst="textNoShape">
+                <a:avLst/>
+              </a:prstTxWarp>
+            </a:bodyPr>
+            <a:lstStyle/>
+            <a:p>
+              <a:pPr marL="457200" marR="0" indent="-457200" algn="l" defTabSz="914400" rtl="0" eaLnBrk="1" fontAlgn="base" latinLnBrk="0" hangingPunct="1">
+                <a:lnSpc>
+                  <a:spcPct val="100000"/>
+                </a:lnSpc>
+                <a:spcBef>
+                  <a:spcPct val="20000"/>
+                </a:spcBef>
+                <a:spcAft>
+                  <a:spcPct val="0"/>
+                </a:spcAft>
+                <a:buClr>
+                  <a:srgbClr val="A50021"/>
+                </a:buClr>
+                <a:buSzPct val="75000"/>
+                <a:buFont typeface="Wingdings" pitchFamily="2" charset="2"/>
+                <a:buChar char="n"/>
+                <a:tabLst/>
+              </a:pPr>
+              <a:endParaRPr kumimoji="1" lang="ru-RU" sz="2000" b="0" i="0" u="none" strike="noStrike" cap="none" normalizeH="0" baseline="0" smtClean="0">
+                <a:ln>
+                  <a:noFill/>
+                </a:ln>
+                <a:solidFill>
+                  <a:schemeClr val="tx1"/>
+                </a:solidFill>
+                <a:effectLst/>
+                <a:latin typeface="Times New Roman" pitchFamily="18" charset="0"/>
+                <a:cs typeface="Times New Roman" pitchFamily="18" charset="0"/>
+              </a:endParaRPr>
+            </a:p>
+          </p:txBody>
+        </p:sp>
+      </p:grpSp>
+      <p:sp>
+        <p:nvSpPr>
+          <p:cNvPr id="26" name="TextBox 25"/>
+          <p:cNvSpPr txBox="1"/>
+          <p:nvPr/>
+        </p:nvSpPr>
+        <p:spPr>
+          <a:xfrm>
+            <a:off x="2555776" y="4680485"/>
+            <a:ext cx="1746343" cy="400110"/>
+          </a:xfrm>
+          <a:prstGeom prst="rect">
+            <a:avLst/>
+          </a:prstGeom>
+          <a:noFill/>
+        </p:spPr>
+        <p:txBody>
+          <a:bodyPr wrap="square" rtlCol="0">
+            <a:spAutoFit/>
+          </a:bodyPr>
+          <a:lstStyle/>
+          <a:p>
+            <a:r>
+              <a:rPr lang="en-US" dirty="0" smtClean="0"/>
+              <a:t>Ethernet, L2</a:t>
+            </a:r>
+            <a:endParaRPr lang="ru-RU" dirty="0"/>
+          </a:p>
+        </p:txBody>
+      </p:sp>
+      <p:sp>
+        <p:nvSpPr>
+          <p:cNvPr id="29" name="TextBox 28"/>
+          <p:cNvSpPr txBox="1"/>
+          <p:nvPr/>
+        </p:nvSpPr>
+        <p:spPr>
+          <a:xfrm>
+            <a:off x="6333743" y="4669105"/>
+            <a:ext cx="1746343" cy="400110"/>
+          </a:xfrm>
+          <a:prstGeom prst="rect">
+            <a:avLst/>
+          </a:prstGeom>
+          <a:noFill/>
+        </p:spPr>
+        <p:txBody>
+          <a:bodyPr wrap="square" rtlCol="0">
+            <a:spAutoFit/>
+          </a:bodyPr>
+          <a:lstStyle/>
+          <a:p>
+            <a:r>
+              <a:rPr lang="en-US" dirty="0" smtClean="0"/>
+              <a:t>IP, L3</a:t>
+            </a:r>
+            <a:endParaRPr lang="ru-RU" dirty="0"/>
+          </a:p>
+        </p:txBody>
+      </p:sp>
+      <p:sp>
+        <p:nvSpPr>
+          <p:cNvPr id="30" name="Стрелка вниз 29"/>
+          <p:cNvSpPr/>
+          <p:nvPr/>
+        </p:nvSpPr>
+        <p:spPr bwMode="auto">
+          <a:xfrm>
+            <a:off x="4554916" y="3356992"/>
+            <a:ext cx="335818" cy="648072"/>
+          </a:xfrm>
+          <a:prstGeom prst="downArrow">
+            <a:avLst/>
+          </a:prstGeom>
+          <a:ln>
+            <a:headEnd type="none" w="med" len="med"/>
+            <a:tailEnd type="none" w="med" len="med"/>
+          </a:ln>
+          <a:extLst/>
+        </p:spPr>
+        <p:style>
+          <a:lnRef idx="0">
+            <a:schemeClr val="accent2"/>
+          </a:lnRef>
+          <a:fillRef idx="3">
+            <a:schemeClr val="accent2"/>
+          </a:fillRef>
+          <a:effectRef idx="3">
+            <a:schemeClr val="accent2"/>
+          </a:effectRef>
+          <a:fontRef idx="minor">
+            <a:schemeClr val="lt1"/>
+          </a:fontRef>
+        </p:style>
+        <p:txBody>
+          <a:bodyPr vert="horz" wrap="square" lIns="91440" tIns="45720" rIns="91440" bIns="0" numCol="1" rtlCol="0" anchor="t" anchorCtr="0" compatLnSpc="1">
+            <a:prstTxWarp prst="textNoShape">
+              <a:avLst/>
+            </a:prstTxWarp>
+          </a:bodyPr>
+          <a:lstStyle/>
+          <a:p>
+            <a:pPr marL="457200" marR="0" indent="-457200" algn="l" defTabSz="914400" rtl="0" eaLnBrk="1" fontAlgn="base" latinLnBrk="0" hangingPunct="1">
+              <a:lnSpc>
+                <a:spcPct val="100000"/>
+              </a:lnSpc>
+              <a:spcBef>
+                <a:spcPct val="20000"/>
+              </a:spcBef>
+              <a:spcAft>
+                <a:spcPct val="0"/>
+              </a:spcAft>
+              <a:buClr>
+                <a:srgbClr val="A50021"/>
+              </a:buClr>
+              <a:buSzPct val="75000"/>
+              <a:buFont typeface="Wingdings" pitchFamily="2" charset="2"/>
+              <a:buChar char="n"/>
+              <a:tabLst/>
+            </a:pPr>
+            <a:endParaRPr kumimoji="1" lang="ru-RU" sz="2000" b="0" i="0" u="none" strike="noStrike" cap="none" normalizeH="0" baseline="0" smtClean="0">
+              <a:ln>
+                <a:noFill/>
+              </a:ln>
+              <a:solidFill>
+                <a:schemeClr val="tx1"/>
+              </a:solidFill>
+              <a:effectLst/>
+              <a:latin typeface="Times New Roman" pitchFamily="18" charset="0"/>
+              <a:cs typeface="Times New Roman" pitchFamily="18" charset="0"/>
+            </a:endParaRPr>
+          </a:p>
+        </p:txBody>
+      </p:sp>
+      <p:sp>
+        <p:nvSpPr>
+          <p:cNvPr id="31" name="Выгнутая вверх стрелка 30"/>
+          <p:cNvSpPr/>
+          <p:nvPr/>
+        </p:nvSpPr>
+        <p:spPr bwMode="auto">
+          <a:xfrm flipH="1" flipV="1">
+            <a:off x="1475655" y="4709173"/>
+            <a:ext cx="4879825" cy="1240105"/>
+          </a:xfrm>
+          <a:prstGeom prst="curvedDownArrow">
+            <a:avLst>
+              <a:gd name="adj1" fmla="val 6854"/>
+              <a:gd name="adj2" fmla="val 29870"/>
+              <a:gd name="adj3" fmla="val 13479"/>
+            </a:avLst>
+          </a:prstGeom>
+          <a:noFill/>
+          <a:ln w="9525" cap="flat" cmpd="sng" algn="ctr">
+            <a:solidFill>
+              <a:schemeClr val="tx1"/>
+            </a:solidFill>
+            <a:prstDash val="solid"/>
+            <a:round/>
+            <a:headEnd type="none" w="med" len="med"/>
+            <a:tailEnd type="none" w="med" len="med"/>
+          </a:ln>
+          <a:effectLst/>
+          <a:extLst>
+            <a:ext uri="{909E8E84-426E-40DD-AFC4-6F175D3DCCD1}">
+              <a14:hiddenFill xmlns:a14="http://schemas.microsoft.com/office/drawing/2010/main">
+                <a:solidFill>
+                  <a:schemeClr val="accent1"/>
+                </a:solidFill>
+              </a14:hiddenFill>
+            </a:ext>
+            <a:ext uri="{AF507438-7753-43E0-B8FC-AC1667EBCBE1}">
+              <a14:hiddenEffects xmlns:a14="http://schemas.microsoft.com/office/drawing/2010/main">
+                <a:effectLst>
+                  <a:outerShdw dist="35921" dir="2700000" algn="ctr" rotWithShape="0">
+                    <a:schemeClr val="bg2"/>
+                  </a:outerShdw>
+                </a:effectLst>
+              </a14:hiddenEffects>
+            </a:ext>
+          </a:extLst>
+        </p:spPr>
+        <p:txBody>
+          <a:bodyPr vert="horz" wrap="square" lIns="91440" tIns="45720" rIns="91440" bIns="0" numCol="1" rtlCol="0" anchor="t" anchorCtr="0" compatLnSpc="1">
+            <a:prstTxWarp prst="textNoShape">
+              <a:avLst/>
+            </a:prstTxWarp>
+          </a:bodyPr>
+          <a:lstStyle/>
+          <a:p>
+            <a:pPr marL="457200" marR="0" indent="-457200" algn="l" defTabSz="914400" rtl="0" eaLnBrk="1" fontAlgn="base" latinLnBrk="0" hangingPunct="1">
+              <a:lnSpc>
+                <a:spcPct val="100000"/>
+              </a:lnSpc>
+              <a:spcBef>
+                <a:spcPct val="20000"/>
+              </a:spcBef>
+              <a:spcAft>
+                <a:spcPct val="0"/>
+              </a:spcAft>
+              <a:buClr>
+                <a:srgbClr val="A50021"/>
+              </a:buClr>
+              <a:buSzPct val="75000"/>
+              <a:buFont typeface="Wingdings" pitchFamily="2" charset="2"/>
+              <a:buChar char="n"/>
+              <a:tabLst/>
+            </a:pPr>
+            <a:endParaRPr kumimoji="1" lang="ru-RU" sz="2000" b="0" i="0" u="none" strike="noStrike" cap="none" normalizeH="0" baseline="0" smtClean="0">
+              <a:ln>
+                <a:noFill/>
+              </a:ln>
+              <a:solidFill>
+                <a:schemeClr val="tx1"/>
+              </a:solidFill>
+              <a:effectLst/>
+              <a:latin typeface="Times New Roman" pitchFamily="18" charset="0"/>
+              <a:cs typeface="Times New Roman" pitchFamily="18" charset="0"/>
+            </a:endParaRPr>
+          </a:p>
+        </p:txBody>
+      </p:sp>
+      <p:sp>
+        <p:nvSpPr>
+          <p:cNvPr id="33" name="TextBox 32"/>
+          <p:cNvSpPr txBox="1"/>
+          <p:nvPr/>
+        </p:nvSpPr>
+        <p:spPr>
+          <a:xfrm>
+            <a:off x="3849653" y="5988866"/>
+            <a:ext cx="1746343" cy="400110"/>
+          </a:xfrm>
+          <a:prstGeom prst="rect">
+            <a:avLst/>
+          </a:prstGeom>
+          <a:noFill/>
+        </p:spPr>
+        <p:txBody>
+          <a:bodyPr wrap="square" rtlCol="0">
+            <a:spAutoFit/>
+          </a:bodyPr>
+          <a:lstStyle/>
+          <a:p>
+            <a:r>
+              <a:rPr lang="en-US" dirty="0" smtClean="0"/>
+              <a:t>ARP</a:t>
+            </a:r>
+            <a:endParaRPr lang="ru-RU" dirty="0"/>
+          </a:p>
+        </p:txBody>
+      </p:sp>
+    </p:spTree>
+    <p:extLst>
+      <p:ext uri="{BB962C8B-B14F-4D97-AF65-F5344CB8AC3E}">
+        <p14:creationId xmlns:p14="http://schemas.microsoft.com/office/powerpoint/2010/main" val="2104970581"/>
+      </p:ext>
+    </p:extLst>
+  </p:cSld>
+  <p:clrMapOvr>
+    <a:masterClrMapping/>
+  </p:clrMapOvr>
+  <p:timing>
+    <p:tnLst>
+      <p:par>
+        <p:cTn id="1" dur="indefinite" restart="never" nodeType="tmRoot"/>
+      </p:par>
+    </p:tnLst>
+  </p:timing>
+</p:sld>
+</file>
+
+<file path=ppt/slides/slide5.xml><?xml version="1.0" encoding="utf-8"?>
+<p:sld xmlns:a="http://schemas.openxmlformats.org/drawingml/2006/main" xmlns:r="http://schemas.openxmlformats.org/officeDocument/2006/relationships" xmlns:p="http://schemas.openxmlformats.org/presentationml/2006/main">
+  <p:cSld>
+    <p:spTree>
+      <p:nvGrpSpPr>
+        <p:cNvPr id="1" name=""/>
+        <p:cNvGrpSpPr/>
+        <p:nvPr/>
+      </p:nvGrpSpPr>
+      <p:grpSpPr>
+        <a:xfrm>
+          <a:off x="0" y="0"/>
+          <a:ext cx="0" cy="0"/>
+          <a:chOff x="0" y="0"/>
+          <a:chExt cx="0" cy="0"/>
+        </a:xfrm>
+      </p:grpSpPr>
+      <p:sp>
+        <p:nvSpPr>
+          <p:cNvPr id="123" name="Заголовок 1"/>
+          <p:cNvSpPr txBox="1">
+            <a:spLocks/>
+          </p:cNvSpPr>
+          <p:nvPr/>
+        </p:nvSpPr>
+        <p:spPr>
+          <a:xfrm>
+            <a:off x="221990" y="908720"/>
+            <a:ext cx="8892480" cy="1008112"/>
+          </a:xfrm>
+          <a:prstGeom prst="rect">
+            <a:avLst/>
+          </a:prstGeom>
+        </p:spPr>
+        <p:txBody>
+          <a:bodyPr/>
+          <a:lstStyle>
+            <a:lvl1pPr algn="l" rtl="0" fontAlgn="base">
+              <a:spcBef>
+                <a:spcPct val="0"/>
+              </a:spcBef>
+              <a:spcAft>
+                <a:spcPct val="0"/>
+              </a:spcAft>
+              <a:defRPr sz="4400">
+                <a:solidFill>
+                  <a:schemeClr val="tx2"/>
+                </a:solidFill>
+                <a:latin typeface="+mj-lt"/>
+                <a:ea typeface="+mj-ea"/>
+                <a:cs typeface="+mj-cs"/>
+              </a:defRPr>
+            </a:lvl1pPr>
+            <a:lvl2pPr algn="l" rtl="0" fontAlgn="base">
+              <a:spcBef>
+                <a:spcPct val="0"/>
+              </a:spcBef>
+              <a:spcAft>
+                <a:spcPct val="0"/>
+              </a:spcAft>
+              <a:defRPr sz="4400">
+                <a:solidFill>
+                  <a:schemeClr val="tx2"/>
+                </a:solidFill>
+                <a:latin typeface="Times New Roman" pitchFamily="18" charset="0"/>
+              </a:defRPr>
+            </a:lvl2pPr>
+            <a:lvl3pPr algn="l" rtl="0" fontAlgn="base">
+              <a:spcBef>
+                <a:spcPct val="0"/>
+              </a:spcBef>
+              <a:spcAft>
+                <a:spcPct val="0"/>
+              </a:spcAft>
+              <a:defRPr sz="4400">
+                <a:solidFill>
+                  <a:schemeClr val="tx2"/>
+                </a:solidFill>
+                <a:latin typeface="Times New Roman" pitchFamily="18" charset="0"/>
+              </a:defRPr>
+            </a:lvl3pPr>
+            <a:lvl4pPr algn="l" rtl="0" fontAlgn="base">
+              <a:spcBef>
+                <a:spcPct val="0"/>
+              </a:spcBef>
+              <a:spcAft>
+                <a:spcPct val="0"/>
+              </a:spcAft>
+              <a:defRPr sz="4400">
+                <a:solidFill>
+                  <a:schemeClr val="tx2"/>
+                </a:solidFill>
+                <a:latin typeface="Times New Roman" pitchFamily="18" charset="0"/>
+              </a:defRPr>
+            </a:lvl4pPr>
+            <a:lvl5pPr algn="l" rtl="0" fontAlgn="base">
+              <a:spcBef>
+                <a:spcPct val="0"/>
+              </a:spcBef>
+              <a:spcAft>
+                <a:spcPct val="0"/>
+              </a:spcAft>
+              <a:defRPr sz="4400">
+                <a:solidFill>
+                  <a:schemeClr val="tx2"/>
+                </a:solidFill>
+                <a:latin typeface="Times New Roman" pitchFamily="18" charset="0"/>
+              </a:defRPr>
+            </a:lvl5pPr>
+            <a:lvl6pPr marL="457200" algn="l" rtl="0" fontAlgn="base">
+              <a:spcBef>
+                <a:spcPct val="0"/>
+              </a:spcBef>
+              <a:spcAft>
+                <a:spcPct val="0"/>
+              </a:spcAft>
+              <a:defRPr sz="4400">
+                <a:solidFill>
+                  <a:schemeClr val="tx2"/>
+                </a:solidFill>
+                <a:latin typeface="Times New Roman" pitchFamily="18" charset="0"/>
+              </a:defRPr>
+            </a:lvl6pPr>
+            <a:lvl7pPr marL="914400" algn="l" rtl="0" fontAlgn="base">
+              <a:spcBef>
+                <a:spcPct val="0"/>
+              </a:spcBef>
+              <a:spcAft>
+                <a:spcPct val="0"/>
+              </a:spcAft>
+              <a:defRPr sz="4400">
+                <a:solidFill>
+                  <a:schemeClr val="tx2"/>
+                </a:solidFill>
+                <a:latin typeface="Times New Roman" pitchFamily="18" charset="0"/>
+              </a:defRPr>
+            </a:lvl7pPr>
+            <a:lvl8pPr marL="1371600" algn="l" rtl="0" fontAlgn="base">
+              <a:spcBef>
+                <a:spcPct val="0"/>
+              </a:spcBef>
+              <a:spcAft>
+                <a:spcPct val="0"/>
+              </a:spcAft>
+              <a:defRPr sz="4400">
+                <a:solidFill>
+                  <a:schemeClr val="tx2"/>
+                </a:solidFill>
+                <a:latin typeface="Times New Roman" pitchFamily="18" charset="0"/>
+              </a:defRPr>
+            </a:lvl8pPr>
+            <a:lvl9pPr marL="1828800" algn="l" rtl="0" fontAlgn="base">
+              <a:spcBef>
+                <a:spcPct val="0"/>
+              </a:spcBef>
+              <a:spcAft>
+                <a:spcPct val="0"/>
+              </a:spcAft>
+              <a:defRPr sz="4400">
+                <a:solidFill>
+                  <a:schemeClr val="tx2"/>
+                </a:solidFill>
+                <a:latin typeface="Times New Roman" pitchFamily="18" charset="0"/>
+              </a:defRPr>
+            </a:lvl9pPr>
+          </a:lstStyle>
+          <a:p>
+            <a:pPr algn="ctr">
+              <a:buClrTx/>
+              <a:buSzTx/>
+              <a:buFontTx/>
+              <a:buNone/>
+            </a:pPr>
+            <a:r>
               <a:rPr kumimoji="0" lang="en-US" altLang="ru-RU" b="1" kern="0" dirty="0" smtClean="0"/>
               <a:t>Address Resolution Protocol</a:t>
             </a:r>
@@ -6008,7 +8462,7 @@
     </p:spTree>
     <p:extLst>
       <p:ext uri="{BB962C8B-B14F-4D97-AF65-F5344CB8AC3E}">
-        <p14:creationId xmlns:p14="http://schemas.microsoft.com/office/powerpoint/2010/main" val="422402579"/>
+        <p14:creationId xmlns:p14="http://schemas.microsoft.com/office/powerpoint/2010/main" val="3011578838"/>
       </p:ext>
     </p:extLst>
   </p:cSld>
@@ -6025,7 +8479,7 @@
 </p:sld>
 </file>
 
-<file path=ppt/slides/slide3.xml><?xml version="1.0" encoding="utf-8"?>
+<file path=ppt/slides/slide6.xml><?xml version="1.0" encoding="utf-8"?>
 <p:sld xmlns:a="http://schemas.openxmlformats.org/drawingml/2006/main" xmlns:r="http://schemas.openxmlformats.org/officeDocument/2006/relationships" xmlns:p="http://schemas.openxmlformats.org/presentationml/2006/main">
   <p:cSld>
     <p:spTree>
@@ -13921,7 +16375,7 @@
 </p:sld>
 </file>
 
-<file path=ppt/slides/slide4.xml><?xml version="1.0" encoding="utf-8"?>
+<file path=ppt/slides/slide7.xml><?xml version="1.0" encoding="utf-8"?>
 <p:sld xmlns:a="http://schemas.openxmlformats.org/drawingml/2006/main" xmlns:r="http://schemas.openxmlformats.org/officeDocument/2006/relationships" xmlns:p="http://schemas.openxmlformats.org/presentationml/2006/main">
   <p:cSld>
     <p:spTree>
@@ -14327,7 +16781,7 @@
 </p:sld>
 </file>
 
-<file path=ppt/slides/slide5.xml><?xml version="1.0" encoding="utf-8"?>
+<file path=ppt/slides/slide8.xml><?xml version="1.0" encoding="utf-8"?>
 <p:sld xmlns:a="http://schemas.openxmlformats.org/drawingml/2006/main" xmlns:r="http://schemas.openxmlformats.org/officeDocument/2006/relationships" xmlns:p="http://schemas.openxmlformats.org/presentationml/2006/main">
   <p:cSld>
     <p:spTree>
@@ -14662,7 +17116,7 @@
 </p:sld>
 </file>
 
-<file path=ppt/slides/slide6.xml><?xml version="1.0" encoding="utf-8"?>
+<file path=ppt/slides/slide9.xml><?xml version="1.0" encoding="utf-8"?>
 <p:sld xmlns:a="http://schemas.openxmlformats.org/drawingml/2006/main" xmlns:r="http://schemas.openxmlformats.org/officeDocument/2006/relationships" xmlns:p="http://schemas.openxmlformats.org/presentationml/2006/main">
   <p:cSld>
     <p:spTree>
@@ -14879,7 +17333,7 @@
             <a:graphicData uri="http://schemas.openxmlformats.org/presentationml/2006/ole">
               <mc:AlternateContent xmlns:mc="http://schemas.openxmlformats.org/markup-compatibility/2006">
                 <mc:Choice xmlns:v="urn:schemas-microsoft-com:vml" Requires="v">
-                  <p:oleObj spid="_x0000_s209937" name="Visio" r:id="rId3" imgW="250850" imgH="493776" progId="Visio.Drawing.6">
+                  <p:oleObj spid="_x0000_s209961" name="Visio" r:id="rId3" imgW="250850" imgH="493776" progId="Visio.Drawing.6">
                     <p:embed/>
                   </p:oleObj>
                 </mc:Choice>
@@ -16506,7 +18960,7 @@
             <a:graphicData uri="http://schemas.openxmlformats.org/presentationml/2006/ole">
               <mc:AlternateContent xmlns:mc="http://schemas.openxmlformats.org/markup-compatibility/2006">
                 <mc:Choice xmlns:v="urn:schemas-microsoft-com:vml" Requires="v">
-                  <p:oleObj spid="_x0000_s209938" name="Visio" r:id="rId6" imgW="250850" imgH="493776" progId="Visio.Drawing.6">
+                  <p:oleObj spid="_x0000_s209962" name="Visio" r:id="rId6" imgW="250850" imgH="493776" progId="Visio.Drawing.6">
                     <p:embed/>
                   </p:oleObj>
                 </mc:Choice>
@@ -18817,7 +21271,7 @@
               <a:graphicData uri="http://schemas.openxmlformats.org/presentationml/2006/ole">
                 <mc:AlternateContent xmlns:mc="http://schemas.openxmlformats.org/markup-compatibility/2006">
                   <mc:Choice xmlns:v="urn:schemas-microsoft-com:vml" Requires="v">
-                    <p:oleObj spid="_x0000_s209939" name="Visio" r:id="rId7" imgW="250850" imgH="493776" progId="Visio.Drawing.6">
+                    <p:oleObj spid="_x0000_s209963" name="Visio" r:id="rId7" imgW="250850" imgH="493776" progId="Visio.Drawing.6">
                       <p:embed/>
                     </p:oleObj>
                   </mc:Choice>
@@ -20320,15 +22774,7 @@
                   <a:srgbClr val="100E0C"/>
                 </a:solidFill>
               </a:rPr>
-              <a:t>Несколько п</a:t>
-            </a:r>
-            <a:r>
-              <a:rPr lang="ru-RU" dirty="0" smtClean="0">
-                <a:solidFill>
-                  <a:srgbClr val="100E0C"/>
-                </a:solidFill>
-              </a:rPr>
-              <a:t>улов</a:t>
+              <a:t>Несколько пулов</a:t>
             </a:r>
             <a:endParaRPr kumimoji="1" lang="ru-RU" sz="2000" b="0" i="0" u="none" strike="noStrike" cap="none" normalizeH="0" baseline="0" dirty="0" smtClean="0">
               <a:ln>
